--- a/spring11/slides11/slides10f.pptx
+++ b/spring11/slides11/slides10f.pptx
@@ -5267,22 +5267,7 @@
                 <a:uFillTx/>
                 <a:latin typeface="Comic Sans MS" pitchFamily="66" charset="0"/>
               </a:rPr>
-              <a:t>Albert R Meyer,                  April </a:t>
-            </a:r>
-            <a:r>
-              <a:rPr kumimoji="0" lang="en-US" sz="1200" b="0" i="0" u="none" strike="noStrike" kern="1200" cap="none" spc="0" normalizeH="0" baseline="0" noProof="0" dirty="0" smtClean="0">
-                <a:ln>
-                  <a:noFill/>
-                </a:ln>
-                <a:solidFill>
-                  <a:schemeClr val="tx1"/>
-                </a:solidFill>
-                <a:effectLst/>
-                <a:uLnTx/>
-                <a:uFillTx/>
-                <a:latin typeface="Comic Sans MS" pitchFamily="66" charset="0"/>
-              </a:rPr>
-              <a:t>15, 2011</a:t>
+              <a:t>Albert R Meyer,                  April 15, 2011</a:t>
             </a:r>
             <a:endParaRPr kumimoji="0" lang="en-US" sz="1200" b="0" i="0" u="none" strike="noStrike" kern="1200" cap="none" spc="0" normalizeH="0" baseline="0" noProof="0" dirty="0">
               <a:ln>
@@ -6118,7 +6103,7 @@
             </a:r>
             <a:r>
               <a:rPr lang="en-US" dirty="0" smtClean="0"/>
-              <a:t> 10W.</a:t>
+              <a:t> 10F.</a:t>
             </a:r>
             <a:fld id="{B0FF02EB-D1D4-4FAF-AA08-3524FCCD24CB}" type="slidenum">
               <a:rPr lang="en-US" smtClean="0"/>
@@ -6507,7 +6492,7 @@
             </a:r>
             <a:r>
               <a:rPr lang="en-US" dirty="0" smtClean="0"/>
-              <a:t> 10W.</a:t>
+              <a:t> 10F.</a:t>
             </a:r>
             <a:fld id="{4CFB4505-5DEB-491F-BE7C-4DE5D56D6CF5}" type="slidenum">
               <a:rPr lang="en-US" smtClean="0"/>
@@ -7035,7 +7020,7 @@
             </a:r>
             <a:r>
               <a:rPr lang="en-US" dirty="0" smtClean="0"/>
-              <a:t> 10W.</a:t>
+              <a:t> 10F.</a:t>
             </a:r>
             <a:fld id="{6A7976DA-D173-4661-9B1A-1336E57E620A}" type="slidenum">
               <a:rPr lang="en-US" smtClean="0"/>
@@ -7603,7 +7588,7 @@
             </a:r>
             <a:r>
               <a:rPr lang="en-US" dirty="0" smtClean="0"/>
-              <a:t> 10W.</a:t>
+              <a:t> 10F.</a:t>
             </a:r>
             <a:fld id="{6BD7755F-1779-4BC3-A62F-28E758764DAE}" type="slidenum">
               <a:rPr lang="en-US" smtClean="0"/>
@@ -8170,7 +8155,7 @@
             </a:r>
             <a:r>
               <a:rPr lang="en-US" dirty="0" smtClean="0"/>
-              <a:t> 10W.</a:t>
+              <a:t> 10F.</a:t>
             </a:r>
             <a:fld id="{F569BDCB-22FD-4303-A204-DED67BB0A5D1}" type="slidenum">
               <a:rPr lang="en-US" smtClean="0"/>
@@ -8698,7 +8683,7 @@
             </a:r>
             <a:r>
               <a:rPr lang="en-US" dirty="0" smtClean="0"/>
-              <a:t> 10W.</a:t>
+              <a:t> 10F.</a:t>
             </a:r>
             <a:fld id="{4DEFD96A-A3B1-44C5-9DCC-DF51A7BA84D6}" type="slidenum">
               <a:rPr lang="en-US" smtClean="0"/>
@@ -9155,7 +9140,7 @@
             </a:r>
             <a:r>
               <a:rPr lang="en-US" dirty="0" smtClean="0"/>
-              <a:t> 10W.</a:t>
+              <a:t> 10F.</a:t>
             </a:r>
             <a:fld id="{D4CFA408-5106-45DE-A573-F23A99EB07A0}" type="slidenum">
               <a:rPr lang="en-US" smtClean="0"/>
@@ -11054,7 +11039,7 @@
             </a:r>
             <a:r>
               <a:rPr lang="en-US" dirty="0" smtClean="0"/>
-              <a:t> 10W.</a:t>
+              <a:t> 10F.</a:t>
             </a:r>
             <a:fld id="{A97B727E-85D9-4D75-9F41-49236FB01EF8}" type="slidenum">
               <a:rPr lang="en-US" smtClean="0"/>
@@ -12034,7 +12019,7 @@
             </a:r>
             <a:r>
               <a:rPr lang="en-US" dirty="0" smtClean="0"/>
-              <a:t> 10W.</a:t>
+              <a:t> 10F.</a:t>
             </a:r>
             <a:fld id="{667473EA-F42D-4AA1-82FF-930CBD07F711}" type="slidenum">
               <a:rPr lang="en-US" smtClean="0"/>
@@ -13627,7 +13612,7 @@
             </a:r>
             <a:r>
               <a:rPr lang="en-US" dirty="0" smtClean="0"/>
-              <a:t> 10W.</a:t>
+              <a:t> 10F.</a:t>
             </a:r>
             <a:fld id="{53DBC806-5CDC-4452-B203-0326A7A2319F}" type="slidenum">
               <a:rPr lang="en-US" smtClean="0"/>
@@ -14101,7 +14086,7 @@
             </a:r>
             <a:r>
               <a:rPr lang="en-US" dirty="0" smtClean="0"/>
-              <a:t> 10W.</a:t>
+              <a:t> 10F.</a:t>
             </a:r>
             <a:fld id="{B427E22D-7E6D-4DBA-A517-83D4E9B7D2C2}" type="slidenum">
               <a:rPr lang="en-US" smtClean="0"/>
@@ -14653,7 +14638,7 @@
             </a:r>
             <a:r>
               <a:rPr lang="en-US" dirty="0" smtClean="0"/>
-              <a:t> 10W.</a:t>
+              <a:t> 10F.</a:t>
             </a:r>
             <a:fld id="{A7BAA29C-9724-4A4B-80F5-1E7A18906EA2}" type="slidenum">
               <a:rPr lang="en-US" smtClean="0"/>
@@ -15182,7 +15167,7 @@
             </a:r>
             <a:r>
               <a:rPr lang="en-US" dirty="0" smtClean="0"/>
-              <a:t> 10W.</a:t>
+              <a:t> 10F.</a:t>
             </a:r>
             <a:fld id="{312EA255-FF37-4875-AE59-239BFBDC82D5}" type="slidenum">
               <a:rPr lang="en-US" smtClean="0"/>
@@ -19240,7 +19225,7 @@
             </a:r>
             <a:r>
               <a:rPr lang="en-US" dirty="0" smtClean="0"/>
-              <a:t> 10W.</a:t>
+              <a:t> 10F.</a:t>
             </a:r>
             <a:fld id="{8ED4FA4E-F318-4D4A-92AF-ADBE4E4006AD}" type="slidenum">
               <a:rPr lang="en-US" smtClean="0"/>
@@ -29089,7 +29074,7 @@
             </a:r>
             <a:r>
               <a:rPr lang="en-US" dirty="0" smtClean="0"/>
-              <a:t> 10W.</a:t>
+              <a:t> 10F.</a:t>
             </a:r>
             <a:fld id="{CF6C6ACF-554E-4571-91F7-53727E6D932A}" type="slidenum">
               <a:rPr lang="en-US" smtClean="0"/>
@@ -29421,14 +29406,11 @@
               </a:spcBef>
             </a:pPr>
             <a:r>
-              <a:rPr lang="en-US" sz="9600" smtClean="0">
+              <a:rPr lang="en-US" sz="9600" dirty="0" smtClean="0">
                 <a:latin typeface="Comic Sans MS" pitchFamily="66" charset="0"/>
               </a:rPr>
               <a:t>1—3</a:t>
             </a:r>
-            <a:endParaRPr lang="en-US" sz="9600" dirty="0" smtClean="0">
-              <a:latin typeface="Comic Sans MS" pitchFamily="66" charset="0"/>
-            </a:endParaRPr>
           </a:p>
         </p:txBody>
       </p:sp>
@@ -32034,7 +32016,7 @@
             </a:r>
             <a:r>
               <a:rPr lang="en-US" dirty="0" smtClean="0"/>
-              <a:t> 10W.</a:t>
+              <a:t> 10F.</a:t>
             </a:r>
             <a:fld id="{BC0728D2-3EB1-419D-96B7-3DC9770C9B97}" type="slidenum">
               <a:rPr lang="en-US" smtClean="0"/>
@@ -36043,7 +36025,7 @@
             </a:r>
             <a:r>
               <a:rPr lang="en-US" dirty="0" smtClean="0"/>
-              <a:t> 10W.</a:t>
+              <a:t> 10F.</a:t>
             </a:r>
             <a:fld id="{2095F3C2-642C-4FC4-8AB0-615EB7B31C2B}" type="slidenum">
               <a:rPr lang="en-US" smtClean="0"/>
@@ -37298,7 +37280,7 @@
             </a:r>
             <a:r>
               <a:rPr lang="en-US" dirty="0" smtClean="0"/>
-              <a:t> 10W.</a:t>
+              <a:t> 10F.</a:t>
             </a:r>
             <a:fld id="{F73B5DA3-1AC0-438F-B9CB-5F198C9AF33E}" type="slidenum">
               <a:rPr lang="en-US" smtClean="0"/>
@@ -38811,7 +38793,7 @@
             </a:r>
             <a:r>
               <a:rPr lang="en-US" dirty="0" smtClean="0"/>
-              <a:t> 10W.</a:t>
+              <a:t> 10F.</a:t>
             </a:r>
             <a:fld id="{A774967B-D519-47FD-BF5E-4563B7BD084C}" type="slidenum">
               <a:rPr lang="en-US" smtClean="0"/>
@@ -40155,7 +40137,7 @@
             </a:r>
             <a:r>
               <a:rPr lang="en-US" dirty="0" smtClean="0"/>
-              <a:t> 10W.</a:t>
+              <a:t> 10F.</a:t>
             </a:r>
             <a:fld id="{8ECF142E-936D-483D-BFC6-A4BC4E02572F}" type="slidenum">
               <a:rPr lang="en-US" smtClean="0"/>

--- a/spring11/slides11/slides10f.pptx
+++ b/spring11/slides11/slides10f.pptx
@@ -5,10 +5,10 @@
     <p:sldMasterId id="2147483650" r:id="rId1"/>
   </p:sldMasterIdLst>
   <p:notesMasterIdLst>
-    <p:notesMasterId r:id="rId42"/>
+    <p:notesMasterId r:id="rId43"/>
   </p:notesMasterIdLst>
   <p:handoutMasterIdLst>
-    <p:handoutMasterId r:id="rId43"/>
+    <p:handoutMasterId r:id="rId44"/>
   </p:handoutMasterIdLst>
   <p:sldIdLst>
     <p:sldId id="524" r:id="rId2"/>
@@ -40,41 +40,42 @@
     <p:sldId id="501" r:id="rId28"/>
     <p:sldId id="502" r:id="rId29"/>
     <p:sldId id="510" r:id="rId30"/>
-    <p:sldId id="511" r:id="rId31"/>
-    <p:sldId id="516" r:id="rId32"/>
-    <p:sldId id="514" r:id="rId33"/>
-    <p:sldId id="521" r:id="rId34"/>
-    <p:sldId id="525" r:id="rId35"/>
-    <p:sldId id="526" r:id="rId36"/>
-    <p:sldId id="534" r:id="rId37"/>
-    <p:sldId id="536" r:id="rId38"/>
-    <p:sldId id="537" r:id="rId39"/>
-    <p:sldId id="538" r:id="rId40"/>
-    <p:sldId id="437" r:id="rId41"/>
+    <p:sldId id="559" r:id="rId31"/>
+    <p:sldId id="511" r:id="rId32"/>
+    <p:sldId id="516" r:id="rId33"/>
+    <p:sldId id="514" r:id="rId34"/>
+    <p:sldId id="521" r:id="rId35"/>
+    <p:sldId id="525" r:id="rId36"/>
+    <p:sldId id="526" r:id="rId37"/>
+    <p:sldId id="534" r:id="rId38"/>
+    <p:sldId id="536" r:id="rId39"/>
+    <p:sldId id="537" r:id="rId40"/>
+    <p:sldId id="538" r:id="rId41"/>
+    <p:sldId id="437" r:id="rId42"/>
   </p:sldIdLst>
   <p:sldSz cx="9144000" cy="6858000" type="screen4x3"/>
   <p:notesSz cx="7315200" cy="9601200"/>
   <p:embeddedFontLst>
     <p:embeddedFont>
       <p:font typeface="Comic Sans MS"/>
-      <p:regular r:id="rId44"/>
-      <p:bold r:id="rId45"/>
+      <p:regular r:id="rId45"/>
+      <p:bold r:id="rId46"/>
     </p:embeddedFont>
     <p:embeddedFont>
       <p:font typeface="Euclid Symbol" charset="2"/>
-      <p:regular r:id="rId46"/>
-      <p:bold r:id="rId47"/>
-      <p:italic r:id="rId48"/>
-      <p:boldItalic r:id="rId49"/>
+      <p:regular r:id="rId47"/>
+      <p:bold r:id="rId48"/>
+      <p:italic r:id="rId49"/>
+      <p:boldItalic r:id="rId50"/>
     </p:embeddedFont>
     <p:embeddedFont>
       <p:font typeface="Euclid Extra" charset="2"/>
-      <p:regular r:id="rId50"/>
-      <p:bold r:id="rId51"/>
+      <p:regular r:id="rId51"/>
+      <p:bold r:id="rId52"/>
     </p:embeddedFont>
   </p:embeddedFontLst>
   <p:custDataLst>
-    <p:tags r:id="rId53"/>
+    <p:tags r:id="rId54"/>
   </p:custDataLst>
   <p:defaultTextStyle>
     <a:defPPr>
@@ -2922,6 +2923,103 @@
       </p:grpSpPr>
       <p:sp>
         <p:nvSpPr>
+          <p:cNvPr id="60418" name="Rectangle 7"/>
+          <p:cNvSpPr>
+            <a:spLocks noGrp="1" noChangeArrowheads="1"/>
+          </p:cNvSpPr>
+          <p:nvPr>
+            <p:ph type="sldNum" sz="quarter" idx="5"/>
+          </p:nvPr>
+        </p:nvSpPr>
+        <p:spPr>
+          <a:noFill/>
+        </p:spPr>
+        <p:txBody>
+          <a:bodyPr/>
+          <a:lstStyle/>
+          <a:p>
+            <a:fld id="{38AFA472-19A2-4BBD-B046-EAF111414CE2}" type="slidenum">
+              <a:rPr lang="en-US" smtClean="0"/>
+              <a:pPr/>
+              <a:t>30</a:t>
+            </a:fld>
+            <a:endParaRPr lang="en-US" smtClean="0"/>
+          </a:p>
+        </p:txBody>
+      </p:sp>
+      <p:sp>
+        <p:nvSpPr>
+          <p:cNvPr id="60419" name="Rectangle 2"/>
+          <p:cNvSpPr>
+            <a:spLocks noGrp="1" noRot="1" noChangeAspect="1" noChangeArrowheads="1" noTextEdit="1"/>
+          </p:cNvSpPr>
+          <p:nvPr>
+            <p:ph type="sldImg"/>
+          </p:nvPr>
+        </p:nvSpPr>
+        <p:spPr>
+          <a:solidFill>
+            <a:srgbClr val="FFFFFF"/>
+          </a:solidFill>
+          <a:ln/>
+        </p:spPr>
+      </p:sp>
+      <p:sp>
+        <p:nvSpPr>
+          <p:cNvPr id="60420" name="Rectangle 3"/>
+          <p:cNvSpPr>
+            <a:spLocks noGrp="1" noChangeArrowheads="1"/>
+          </p:cNvSpPr>
+          <p:nvPr>
+            <p:ph type="body" idx="1"/>
+          </p:nvPr>
+        </p:nvSpPr>
+        <p:spPr>
+          <a:solidFill>
+            <a:srgbClr val="FFFFFF"/>
+          </a:solidFill>
+          <a:ln>
+            <a:solidFill>
+              <a:srgbClr val="000000"/>
+            </a:solidFill>
+          </a:ln>
+        </p:spPr>
+        <p:txBody>
+          <a:bodyPr/>
+          <a:lstStyle/>
+          <a:p>
+            <a:pPr eaLnBrk="1" hangingPunct="1"/>
+            <a:endParaRPr lang="en-US" smtClean="0"/>
+          </a:p>
+        </p:txBody>
+      </p:sp>
+    </p:spTree>
+  </p:cSld>
+  <p:clrMapOvr>
+    <a:masterClrMapping/>
+  </p:clrMapOvr>
+</p:notes>
+</file>
+
+<file path=ppt/notesSlides/notesSlide31.xml><?xml version="1.0" encoding="utf-8"?>
+<p:notes xmlns:a="http://schemas.openxmlformats.org/drawingml/2006/main" xmlns:r="http://schemas.openxmlformats.org/officeDocument/2006/relationships" xmlns:mc="http://schemas.openxmlformats.org/markup-compatibility/2006" xmlns:mv="urn:schemas-microsoft-com:mac:vml" xmlns:p="http://schemas.openxmlformats.org/presentationml/2006/main" mc:Ignorable="mv" mc:PreserveAttributes="mv:*">
+  <p:cSld>
+    <p:spTree>
+      <p:nvGrpSpPr>
+        <p:cNvPr id="1" name=""/>
+        <p:cNvGrpSpPr/>
+        <p:nvPr/>
+      </p:nvGrpSpPr>
+      <p:grpSpPr>
+        <a:xfrm>
+          <a:off x="0" y="0"/>
+          <a:ext cx="0" cy="0"/>
+          <a:chOff x="0" y="0"/>
+          <a:chExt cx="0" cy="0"/>
+        </a:xfrm>
+      </p:grpSpPr>
+      <p:sp>
+        <p:nvSpPr>
           <p:cNvPr id="61442" name="Rectangle 7"/>
           <p:cNvSpPr>
             <a:spLocks noGrp="1" noChangeArrowheads="1"/>
@@ -2940,7 +3038,7 @@
             <a:fld id="{FB67ED51-D6E5-49E3-B2E6-337A7D163646}" type="slidenum">
               <a:rPr lang="en-US" smtClean="0"/>
               <a:pPr/>
-              <a:t>30</a:t>
+              <a:t>31</a:t>
             </a:fld>
             <a:endParaRPr lang="en-US" smtClean="0"/>
           </a:p>
@@ -3000,7 +3098,7 @@
 </p:notes>
 </file>
 
-<file path=ppt/notesSlides/notesSlide31.xml><?xml version="1.0" encoding="utf-8"?>
+<file path=ppt/notesSlides/notesSlide32.xml><?xml version="1.0" encoding="utf-8"?>
 <p:notes xmlns:a="http://schemas.openxmlformats.org/drawingml/2006/main" xmlns:r="http://schemas.openxmlformats.org/officeDocument/2006/relationships" xmlns:mc="http://schemas.openxmlformats.org/markup-compatibility/2006" xmlns:mv="urn:schemas-microsoft-com:mac:vml" xmlns:p="http://schemas.openxmlformats.org/presentationml/2006/main" mc:Ignorable="mv" mc:PreserveAttributes="mv:*">
   <p:cSld>
     <p:spTree>
@@ -3037,7 +3135,7 @@
             <a:fld id="{2249DF9F-D1A7-45A4-B917-74972C1EBD30}" type="slidenum">
               <a:rPr lang="en-US" smtClean="0"/>
               <a:pPr/>
-              <a:t>31</a:t>
+              <a:t>32</a:t>
             </a:fld>
             <a:endParaRPr lang="en-US" smtClean="0"/>
           </a:p>
@@ -3097,7 +3195,7 @@
 </p:notes>
 </file>
 
-<file path=ppt/notesSlides/notesSlide32.xml><?xml version="1.0" encoding="utf-8"?>
+<file path=ppt/notesSlides/notesSlide33.xml><?xml version="1.0" encoding="utf-8"?>
 <p:notes xmlns:a="http://schemas.openxmlformats.org/drawingml/2006/main" xmlns:r="http://schemas.openxmlformats.org/officeDocument/2006/relationships" xmlns:mc="http://schemas.openxmlformats.org/markup-compatibility/2006" xmlns:mv="urn:schemas-microsoft-com:mac:vml" xmlns:p="http://schemas.openxmlformats.org/presentationml/2006/main" mc:Ignorable="mv" mc:PreserveAttributes="mv:*">
   <p:cSld>
     <p:spTree>
@@ -3134,7 +3232,7 @@
             <a:fld id="{B10A5AEE-7DEA-48D1-8DE6-0A12475798CB}" type="slidenum">
               <a:rPr lang="en-US" smtClean="0"/>
               <a:pPr/>
-              <a:t>32</a:t>
+              <a:t>33</a:t>
             </a:fld>
             <a:endParaRPr lang="en-US" smtClean="0"/>
           </a:p>
@@ -3194,7 +3292,7 @@
 </p:notes>
 </file>
 
-<file path=ppt/notesSlides/notesSlide33.xml><?xml version="1.0" encoding="utf-8"?>
+<file path=ppt/notesSlides/notesSlide34.xml><?xml version="1.0" encoding="utf-8"?>
 <p:notes xmlns:a="http://schemas.openxmlformats.org/drawingml/2006/main" xmlns:r="http://schemas.openxmlformats.org/officeDocument/2006/relationships" xmlns:mc="http://schemas.openxmlformats.org/markup-compatibility/2006" xmlns:mv="urn:schemas-microsoft-com:mac:vml" xmlns:p="http://schemas.openxmlformats.org/presentationml/2006/main" mc:Ignorable="mv" mc:PreserveAttributes="mv:*">
   <p:cSld>
     <p:spTree>
@@ -3231,7 +3329,7 @@
             <a:fld id="{A50A15F2-CC24-40A1-A7C3-7916A846A385}" type="slidenum">
               <a:rPr lang="en-US" smtClean="0"/>
               <a:pPr/>
-              <a:t>33</a:t>
+              <a:t>34</a:t>
             </a:fld>
             <a:endParaRPr lang="en-US" smtClean="0"/>
           </a:p>
@@ -3291,7 +3389,7 @@
 </p:notes>
 </file>
 
-<file path=ppt/notesSlides/notesSlide34.xml><?xml version="1.0" encoding="utf-8"?>
+<file path=ppt/notesSlides/notesSlide35.xml><?xml version="1.0" encoding="utf-8"?>
 <p:notes xmlns:a="http://schemas.openxmlformats.org/drawingml/2006/main" xmlns:r="http://schemas.openxmlformats.org/officeDocument/2006/relationships" xmlns:mc="http://schemas.openxmlformats.org/markup-compatibility/2006" xmlns:mv="urn:schemas-microsoft-com:mac:vml" xmlns:p="http://schemas.openxmlformats.org/presentationml/2006/main" mc:Ignorable="mv" mc:PreserveAttributes="mv:*">
   <p:cSld>
     <p:spTree>
@@ -3328,7 +3426,7 @@
             <a:fld id="{C110CE84-ACAE-48DA-88CB-AE4AAFB69FF7}" type="slidenum">
               <a:rPr lang="en-US" smtClean="0"/>
               <a:pPr/>
-              <a:t>34</a:t>
+              <a:t>35</a:t>
             </a:fld>
             <a:endParaRPr lang="en-US" smtClean="0"/>
           </a:p>
@@ -3354,103 +3452,6 @@
       <p:sp>
         <p:nvSpPr>
           <p:cNvPr id="66564" name="Rectangle 3"/>
-          <p:cNvSpPr>
-            <a:spLocks noGrp="1" noChangeArrowheads="1"/>
-          </p:cNvSpPr>
-          <p:nvPr>
-            <p:ph type="body" idx="1"/>
-          </p:nvPr>
-        </p:nvSpPr>
-        <p:spPr>
-          <a:solidFill>
-            <a:srgbClr val="FFFFFF"/>
-          </a:solidFill>
-          <a:ln>
-            <a:solidFill>
-              <a:srgbClr val="000000"/>
-            </a:solidFill>
-          </a:ln>
-        </p:spPr>
-        <p:txBody>
-          <a:bodyPr/>
-          <a:lstStyle/>
-          <a:p>
-            <a:pPr eaLnBrk="1" hangingPunct="1"/>
-            <a:endParaRPr lang="en-US" smtClean="0"/>
-          </a:p>
-        </p:txBody>
-      </p:sp>
-    </p:spTree>
-  </p:cSld>
-  <p:clrMapOvr>
-    <a:masterClrMapping/>
-  </p:clrMapOvr>
-</p:notes>
-</file>
-
-<file path=ppt/notesSlides/notesSlide35.xml><?xml version="1.0" encoding="utf-8"?>
-<p:notes xmlns:a="http://schemas.openxmlformats.org/drawingml/2006/main" xmlns:r="http://schemas.openxmlformats.org/officeDocument/2006/relationships" xmlns:mc="http://schemas.openxmlformats.org/markup-compatibility/2006" xmlns:mv="urn:schemas-microsoft-com:mac:vml" xmlns:p="http://schemas.openxmlformats.org/presentationml/2006/main" mc:Ignorable="mv" mc:PreserveAttributes="mv:*">
-  <p:cSld>
-    <p:spTree>
-      <p:nvGrpSpPr>
-        <p:cNvPr id="1" name=""/>
-        <p:cNvGrpSpPr/>
-        <p:nvPr/>
-      </p:nvGrpSpPr>
-      <p:grpSpPr>
-        <a:xfrm>
-          <a:off x="0" y="0"/>
-          <a:ext cx="0" cy="0"/>
-          <a:chOff x="0" y="0"/>
-          <a:chExt cx="0" cy="0"/>
-        </a:xfrm>
-      </p:grpSpPr>
-      <p:sp>
-        <p:nvSpPr>
-          <p:cNvPr id="67586" name="Rectangle 7"/>
-          <p:cNvSpPr>
-            <a:spLocks noGrp="1" noChangeArrowheads="1"/>
-          </p:cNvSpPr>
-          <p:nvPr>
-            <p:ph type="sldNum" sz="quarter" idx="5"/>
-          </p:nvPr>
-        </p:nvSpPr>
-        <p:spPr>
-          <a:noFill/>
-        </p:spPr>
-        <p:txBody>
-          <a:bodyPr/>
-          <a:lstStyle/>
-          <a:p>
-            <a:fld id="{292A9F99-87B2-457B-934C-9F3FFA0F8D85}" type="slidenum">
-              <a:rPr lang="en-US" smtClean="0"/>
-              <a:pPr/>
-              <a:t>35</a:t>
-            </a:fld>
-            <a:endParaRPr lang="en-US" smtClean="0"/>
-          </a:p>
-        </p:txBody>
-      </p:sp>
-      <p:sp>
-        <p:nvSpPr>
-          <p:cNvPr id="67587" name="Rectangle 2"/>
-          <p:cNvSpPr>
-            <a:spLocks noGrp="1" noRot="1" noChangeAspect="1" noChangeArrowheads="1" noTextEdit="1"/>
-          </p:cNvSpPr>
-          <p:nvPr>
-            <p:ph type="sldImg"/>
-          </p:nvPr>
-        </p:nvSpPr>
-        <p:spPr>
-          <a:solidFill>
-            <a:srgbClr val="FFFFFF"/>
-          </a:solidFill>
-          <a:ln/>
-        </p:spPr>
-      </p:sp>
-      <p:sp>
-        <p:nvSpPr>
-          <p:cNvPr id="67588" name="Rectangle 3"/>
           <p:cNvSpPr>
             <a:spLocks noGrp="1" noChangeArrowheads="1"/>
           </p:cNvSpPr>
@@ -3980,6 +3981,103 @@
       </p:grpSpPr>
       <p:sp>
         <p:nvSpPr>
+          <p:cNvPr id="67586" name="Rectangle 7"/>
+          <p:cNvSpPr>
+            <a:spLocks noGrp="1" noChangeArrowheads="1"/>
+          </p:cNvSpPr>
+          <p:nvPr>
+            <p:ph type="sldNum" sz="quarter" idx="5"/>
+          </p:nvPr>
+        </p:nvSpPr>
+        <p:spPr>
+          <a:noFill/>
+        </p:spPr>
+        <p:txBody>
+          <a:bodyPr/>
+          <a:lstStyle/>
+          <a:p>
+            <a:fld id="{292A9F99-87B2-457B-934C-9F3FFA0F8D85}" type="slidenum">
+              <a:rPr lang="en-US" smtClean="0"/>
+              <a:pPr/>
+              <a:t>40</a:t>
+            </a:fld>
+            <a:endParaRPr lang="en-US" smtClean="0"/>
+          </a:p>
+        </p:txBody>
+      </p:sp>
+      <p:sp>
+        <p:nvSpPr>
+          <p:cNvPr id="67587" name="Rectangle 2"/>
+          <p:cNvSpPr>
+            <a:spLocks noGrp="1" noRot="1" noChangeAspect="1" noChangeArrowheads="1" noTextEdit="1"/>
+          </p:cNvSpPr>
+          <p:nvPr>
+            <p:ph type="sldImg"/>
+          </p:nvPr>
+        </p:nvSpPr>
+        <p:spPr>
+          <a:solidFill>
+            <a:srgbClr val="FFFFFF"/>
+          </a:solidFill>
+          <a:ln/>
+        </p:spPr>
+      </p:sp>
+      <p:sp>
+        <p:nvSpPr>
+          <p:cNvPr id="67588" name="Rectangle 3"/>
+          <p:cNvSpPr>
+            <a:spLocks noGrp="1" noChangeArrowheads="1"/>
+          </p:cNvSpPr>
+          <p:nvPr>
+            <p:ph type="body" idx="1"/>
+          </p:nvPr>
+        </p:nvSpPr>
+        <p:spPr>
+          <a:solidFill>
+            <a:srgbClr val="FFFFFF"/>
+          </a:solidFill>
+          <a:ln>
+            <a:solidFill>
+              <a:srgbClr val="000000"/>
+            </a:solidFill>
+          </a:ln>
+        </p:spPr>
+        <p:txBody>
+          <a:bodyPr/>
+          <a:lstStyle/>
+          <a:p>
+            <a:pPr eaLnBrk="1" hangingPunct="1"/>
+            <a:endParaRPr lang="en-US" smtClean="0"/>
+          </a:p>
+        </p:txBody>
+      </p:sp>
+    </p:spTree>
+  </p:cSld>
+  <p:clrMapOvr>
+    <a:masterClrMapping/>
+  </p:clrMapOvr>
+</p:notes>
+</file>
+
+<file path=ppt/notesSlides/notesSlide41.xml><?xml version="1.0" encoding="utf-8"?>
+<p:notes xmlns:a="http://schemas.openxmlformats.org/drawingml/2006/main" xmlns:r="http://schemas.openxmlformats.org/officeDocument/2006/relationships" xmlns:mc="http://schemas.openxmlformats.org/markup-compatibility/2006" xmlns:mv="urn:schemas-microsoft-com:mac:vml" xmlns:p="http://schemas.openxmlformats.org/presentationml/2006/main" mc:Ignorable="mv" mc:PreserveAttributes="mv:*">
+  <p:cSld>
+    <p:spTree>
+      <p:nvGrpSpPr>
+        <p:cNvPr id="1" name=""/>
+        <p:cNvGrpSpPr/>
+        <p:nvPr/>
+      </p:nvGrpSpPr>
+      <p:grpSpPr>
+        <a:xfrm>
+          <a:off x="0" y="0"/>
+          <a:ext cx="0" cy="0"/>
+          <a:chOff x="0" y="0"/>
+          <a:chExt cx="0" cy="0"/>
+        </a:xfrm>
+      </p:grpSpPr>
+      <p:sp>
+        <p:nvSpPr>
           <p:cNvPr id="99330" name="Rectangle 7"/>
           <p:cNvSpPr>
             <a:spLocks noGrp="1" noChangeArrowheads="1"/>
@@ -3998,7 +4096,7 @@
             <a:fld id="{423126DF-D8DB-4AE2-B7CB-3A9AAA84E3C1}" type="slidenum">
               <a:rPr lang="en-US" smtClean="0"/>
               <a:pPr/>
-              <a:t>40</a:t>
+              <a:t>41</a:t>
             </a:fld>
             <a:endParaRPr lang="en-US" smtClean="0"/>
           </a:p>
@@ -19269,6 +19367,218 @@
           <a:chExt cx="0" cy="0"/>
         </a:xfrm>
       </p:grpSpPr>
+      <p:graphicFrame>
+        <p:nvGraphicFramePr>
+          <p:cNvPr id="5122" name="Object 3"/>
+          <p:cNvGraphicFramePr>
+            <a:graphicFrameLocks noChangeAspect="1"/>
+          </p:cNvGraphicFramePr>
+          <p:nvPr/>
+        </p:nvGraphicFramePr>
+        <p:xfrm>
+          <a:off x="565150" y="1133475"/>
+          <a:ext cx="3176588" cy="2524125"/>
+        </p:xfrm>
+        <a:graphic>
+          <a:graphicData uri="http://schemas.openxmlformats.org/presentationml/2006/ole">
+            <p:oleObj spid="_x0000_s198658" name="Equation" r:id="rId4" imgW="622300" imgH="495300" progId="Equation.DSMT4">
+              <p:embed/>
+            </p:oleObj>
+          </a:graphicData>
+        </a:graphic>
+      </p:graphicFrame>
+      <p:graphicFrame>
+        <p:nvGraphicFramePr>
+          <p:cNvPr id="571396" name="Object 4"/>
+          <p:cNvGraphicFramePr>
+            <a:graphicFrameLocks noChangeAspect="1"/>
+          </p:cNvGraphicFramePr>
+          <p:nvPr/>
+        </p:nvGraphicFramePr>
+        <p:xfrm>
+          <a:off x="1598613" y="3079750"/>
+          <a:ext cx="6859587" cy="2559050"/>
+        </p:xfrm>
+        <a:graphic>
+          <a:graphicData uri="http://schemas.openxmlformats.org/presentationml/2006/ole">
+            <p:oleObj spid="_x0000_s198659" name="Equation" r:id="rId5" imgW="1358900" imgH="508000" progId="Equation.DSMT4">
+              <p:embed/>
+            </p:oleObj>
+          </a:graphicData>
+        </a:graphic>
+      </p:graphicFrame>
+      <p:sp>
+        <p:nvSpPr>
+          <p:cNvPr id="5124" name="Rectangle 2"/>
+          <p:cNvSpPr>
+            <a:spLocks noGrp="1" noChangeArrowheads="1"/>
+          </p:cNvSpPr>
+          <p:nvPr>
+            <p:ph type="title"/>
+          </p:nvPr>
+        </p:nvSpPr>
+        <p:spPr>
+          <a:xfrm>
+            <a:off x="1600200" y="304800"/>
+            <a:ext cx="6019800" cy="1143000"/>
+          </a:xfrm>
+        </p:spPr>
+        <p:txBody>
+          <a:bodyPr/>
+          <a:lstStyle/>
+          <a:p>
+            <a:pPr eaLnBrk="1" hangingPunct="1"/>
+            <a:r>
+              <a:rPr lang="en-US" dirty="0" smtClean="0">
+                <a:latin typeface="Comic Sans MS" pitchFamily="66" charset="0"/>
+              </a:rPr>
+              <a:t>Inclusion-Excl</a:t>
+            </a:r>
+            <a:r>
+              <a:rPr lang="en-US" dirty="0" smtClean="0"/>
+              <a:t>usion</a:t>
+            </a:r>
+            <a:endParaRPr lang="en-US" dirty="0" smtClean="0">
+              <a:latin typeface="Comic Sans MS" pitchFamily="66" charset="0"/>
+            </a:endParaRPr>
+          </a:p>
+        </p:txBody>
+      </p:sp>
+      <p:sp>
+        <p:nvSpPr>
+          <p:cNvPr id="5125" name="Slide Number Placeholder 7"/>
+          <p:cNvSpPr>
+            <a:spLocks noGrp="1"/>
+          </p:cNvSpPr>
+          <p:nvPr>
+            <p:ph type="sldNum" sz="quarter" idx="10"/>
+          </p:nvPr>
+        </p:nvSpPr>
+        <p:spPr>
+          <a:noFill/>
+        </p:spPr>
+        <p:txBody>
+          <a:bodyPr/>
+          <a:lstStyle/>
+          <a:p>
+            <a:r>
+              <a:rPr lang="en-US" dirty="0" err="1" smtClean="0"/>
+              <a:t>lec</a:t>
+            </a:r>
+            <a:r>
+              <a:rPr lang="en-US" dirty="0" smtClean="0"/>
+              <a:t> 10F.</a:t>
+            </a:r>
+            <a:fld id="{440333D2-3154-4D4B-AAB9-AB5679BA8A30}" type="slidenum">
+              <a:rPr lang="en-US" smtClean="0"/>
+              <a:pPr/>
+              <a:t>30</a:t>
+            </a:fld>
+            <a:endParaRPr lang="en-US" dirty="0" smtClean="0"/>
+          </a:p>
+        </p:txBody>
+      </p:sp>
+    </p:spTree>
+  </p:cSld>
+  <p:clrMapOvr>
+    <a:masterClrMapping/>
+  </p:clrMapOvr>
+  <p:transition/>
+  <p:timing>
+    <p:tnLst>
+      <p:par>
+        <p:cTn id="1" dur="indefinite" restart="never" nodeType="tmRoot">
+          <p:childTnLst>
+            <p:seq concurrent="1" nextAc="seek">
+              <p:cTn id="2" dur="indefinite" nodeType="mainSeq">
+                <p:childTnLst>
+                  <p:par>
+                    <p:cTn id="3" fill="hold">
+                      <p:stCondLst>
+                        <p:cond delay="indefinite"/>
+                      </p:stCondLst>
+                      <p:childTnLst>
+                        <p:par>
+                          <p:cTn id="4" fill="hold">
+                            <p:stCondLst>
+                              <p:cond delay="0"/>
+                            </p:stCondLst>
+                            <p:childTnLst>
+                              <p:par>
+                                <p:cTn id="5" presetID="1" presetClass="entr" presetSubtype="0" fill="hold" nodeType="clickEffect">
+                                  <p:stCondLst>
+                                    <p:cond delay="0"/>
+                                  </p:stCondLst>
+                                  <p:childTnLst>
+                                    <p:set>
+                                      <p:cBhvr>
+                                        <p:cTn id="6" dur="1" fill="hold">
+                                          <p:stCondLst>
+                                            <p:cond delay="0"/>
+                                          </p:stCondLst>
+                                        </p:cTn>
+                                        <p:tgtEl>
+                                          <p:spTgt spid="571396"/>
+                                        </p:tgtEl>
+                                        <p:attrNameLst>
+                                          <p:attrName>style.visibility</p:attrName>
+                                        </p:attrNameLst>
+                                      </p:cBhvr>
+                                      <p:to>
+                                        <p:strVal val="visible"/>
+                                      </p:to>
+                                    </p:set>
+                                  </p:childTnLst>
+                                </p:cTn>
+                              </p:par>
+                            </p:childTnLst>
+                          </p:cTn>
+                        </p:par>
+                      </p:childTnLst>
+                    </p:cTn>
+                  </p:par>
+                </p:childTnLst>
+              </p:cTn>
+              <p:prevCondLst>
+                <p:cond evt="onPrev" delay="0">
+                  <p:tgtEl>
+                    <p:sldTgt/>
+                  </p:tgtEl>
+                </p:cond>
+              </p:prevCondLst>
+              <p:nextCondLst>
+                <p:cond evt="onNext" delay="0">
+                  <p:tgtEl>
+                    <p:sldTgt/>
+                  </p:tgtEl>
+                </p:cond>
+              </p:nextCondLst>
+            </p:seq>
+          </p:childTnLst>
+        </p:cTn>
+      </p:par>
+    </p:tnLst>
+  </p:timing>
+</p:sld>
+</file>
+
+<file path=ppt/slides/slide31.xml><?xml version="1.0" encoding="utf-8"?>
+<p:sld xmlns:a="http://schemas.openxmlformats.org/drawingml/2006/main" xmlns:r="http://schemas.openxmlformats.org/officeDocument/2006/relationships" xmlns:mc="http://schemas.openxmlformats.org/markup-compatibility/2006" xmlns:mv="urn:schemas-microsoft-com:mac:vml" xmlns:p="http://schemas.openxmlformats.org/presentationml/2006/main" mc:Ignorable="mv" mc:PreserveAttributes="mv:*" show="0">
+  <p:cSld>
+    <p:spTree>
+      <p:nvGrpSpPr>
+        <p:cNvPr id="1" name=""/>
+        <p:cNvGrpSpPr/>
+        <p:nvPr/>
+      </p:nvGrpSpPr>
+      <p:grpSpPr>
+        <a:xfrm>
+          <a:off x="0" y="0"/>
+          <a:ext cx="0" cy="0"/>
+          <a:chOff x="0" y="0"/>
+          <a:chExt cx="0" cy="0"/>
+        </a:xfrm>
+      </p:grpSpPr>
       <p:sp>
         <p:nvSpPr>
           <p:cNvPr id="17410" name="Rectangle 3"/>
@@ -19712,7 +20022,7 @@
             <a:fld id="{83D78B86-54BD-4C40-B154-E0B4BEB7EE49}" type="slidenum">
               <a:rPr lang="en-US" smtClean="0"/>
               <a:pPr/>
-              <a:t>30</a:t>
+              <a:t>31</a:t>
             </a:fld>
             <a:endParaRPr lang="en-US" dirty="0" smtClean="0"/>
           </a:p>
@@ -19946,7 +20256,7 @@
 </p:sld>
 </file>
 
-<file path=ppt/slides/slide31.xml><?xml version="1.0" encoding="utf-8"?>
+<file path=ppt/slides/slide32.xml><?xml version="1.0" encoding="utf-8"?>
 <p:sld xmlns:a="http://schemas.openxmlformats.org/drawingml/2006/main" xmlns:r="http://schemas.openxmlformats.org/officeDocument/2006/relationships" xmlns:mc="http://schemas.openxmlformats.org/markup-compatibility/2006" xmlns:mv="urn:schemas-microsoft-com:mac:vml" xmlns:p="http://schemas.openxmlformats.org/presentationml/2006/main" mc:Ignorable="mv" mc:PreserveAttributes="mv:*" show="0">
   <p:cSld>
     <p:spTree>
@@ -20233,7 +20543,7 @@
             <a:fld id="{4C514721-E3EC-4B85-8650-9EFC25B0A1F3}" type="slidenum">
               <a:rPr lang="en-US" smtClean="0"/>
               <a:pPr/>
-              <a:t>31</a:t>
+              <a:t>32</a:t>
             </a:fld>
             <a:endParaRPr lang="en-US" dirty="0" smtClean="0"/>
           </a:p>
@@ -20627,7 +20937,7 @@
 </p:sld>
 </file>
 
-<file path=ppt/slides/slide32.xml><?xml version="1.0" encoding="utf-8"?>
+<file path=ppt/slides/slide33.xml><?xml version="1.0" encoding="utf-8"?>
 <p:sld xmlns:a="http://schemas.openxmlformats.org/drawingml/2006/main" xmlns:r="http://schemas.openxmlformats.org/officeDocument/2006/relationships" xmlns:mc="http://schemas.openxmlformats.org/markup-compatibility/2006" xmlns:mv="urn:schemas-microsoft-com:mac:vml" xmlns:p="http://schemas.openxmlformats.org/presentationml/2006/main" mc:Ignorable="mv" mc:PreserveAttributes="mv:*" show="0">
   <p:cSld>
     <p:spTree>
@@ -21276,7 +21586,7 @@
             <a:fld id="{1C6CC27F-483A-4597-93E2-2507BF4D26FA}" type="slidenum">
               <a:rPr lang="en-US" smtClean="0"/>
               <a:pPr/>
-              <a:t>32</a:t>
+              <a:t>33</a:t>
             </a:fld>
             <a:endParaRPr lang="en-US" dirty="0" smtClean="0"/>
           </a:p>
@@ -21522,7 +21832,7 @@
 </p:sld>
 </file>
 
-<file path=ppt/slides/slide33.xml><?xml version="1.0" encoding="utf-8"?>
+<file path=ppt/slides/slide34.xml><?xml version="1.0" encoding="utf-8"?>
 <p:sld xmlns:a="http://schemas.openxmlformats.org/drawingml/2006/main" xmlns:r="http://schemas.openxmlformats.org/officeDocument/2006/relationships" xmlns:mc="http://schemas.openxmlformats.org/markup-compatibility/2006" xmlns:mv="urn:schemas-microsoft-com:mac:vml" xmlns:p="http://schemas.openxmlformats.org/presentationml/2006/main" mc:Ignorable="mv" mc:PreserveAttributes="mv:*" show="0">
   <p:cSld>
     <p:spTree>
@@ -22597,7 +22907,7 @@
             <a:fld id="{EE72DA5D-3DEF-4C80-901B-C90E7DA44CDF}" type="slidenum">
               <a:rPr lang="en-US" smtClean="0"/>
               <a:pPr/>
-              <a:t>33</a:t>
+              <a:t>34</a:t>
             </a:fld>
             <a:endParaRPr lang="en-US" dirty="0" smtClean="0"/>
           </a:p>
@@ -22940,7 +23250,7 @@
 </p:sld>
 </file>
 
-<file path=ppt/slides/slide34.xml><?xml version="1.0" encoding="utf-8"?>
+<file path=ppt/slides/slide35.xml><?xml version="1.0" encoding="utf-8"?>
 <p:sld xmlns:a="http://schemas.openxmlformats.org/drawingml/2006/main" xmlns:r="http://schemas.openxmlformats.org/officeDocument/2006/relationships" xmlns:mc="http://schemas.openxmlformats.org/markup-compatibility/2006" xmlns:mv="urn:schemas-microsoft-com:mac:vml" xmlns:p="http://schemas.openxmlformats.org/presentationml/2006/main" mc:Ignorable="mv" mc:PreserveAttributes="mv:*" show="0">
   <p:cSld>
     <p:spTree>
@@ -24010,1053 +24320,6 @@
               <a:t> 10F.</a:t>
             </a:r>
             <a:fld id="{F2B5C290-49D6-4196-9C46-6D46DFD52E56}" type="slidenum">
-              <a:rPr lang="en-US" smtClean="0"/>
-              <a:pPr/>
-              <a:t>34</a:t>
-            </a:fld>
-            <a:endParaRPr lang="en-US" dirty="0" smtClean="0"/>
-          </a:p>
-        </p:txBody>
-      </p:sp>
-    </p:spTree>
-  </p:cSld>
-  <p:clrMapOvr>
-    <a:masterClrMapping/>
-  </p:clrMapOvr>
-  <p:transition>
-    <p:fade/>
-  </p:transition>
-  <p:timing>
-    <p:tnLst>
-      <p:par>
-        <p:cTn id="1" dur="indefinite" restart="never" nodeType="tmRoot"/>
-      </p:par>
-    </p:tnLst>
-  </p:timing>
-</p:sld>
-</file>
-
-<file path=ppt/slides/slide35.xml><?xml version="1.0" encoding="utf-8"?>
-<p:sld xmlns:a="http://schemas.openxmlformats.org/drawingml/2006/main" xmlns:r="http://schemas.openxmlformats.org/officeDocument/2006/relationships" xmlns:mc="http://schemas.openxmlformats.org/markup-compatibility/2006" xmlns:mv="urn:schemas-microsoft-com:mac:vml" xmlns:p="http://schemas.openxmlformats.org/presentationml/2006/main" mc:Ignorable="mv" mc:PreserveAttributes="mv:*" show="0">
-  <p:cSld>
-    <p:spTree>
-      <p:nvGrpSpPr>
-        <p:cNvPr id="1" name=""/>
-        <p:cNvGrpSpPr/>
-        <p:nvPr/>
-      </p:nvGrpSpPr>
-      <p:grpSpPr>
-        <a:xfrm>
-          <a:off x="0" y="0"/>
-          <a:ext cx="0" cy="0"/>
-          <a:chOff x="0" y="0"/>
-          <a:chExt cx="0" cy="0"/>
-        </a:xfrm>
-      </p:grpSpPr>
-      <p:sp>
-        <p:nvSpPr>
-          <p:cNvPr id="23554" name="Rectangle 2"/>
-          <p:cNvSpPr>
-            <a:spLocks noGrp="1" noChangeArrowheads="1"/>
-          </p:cNvSpPr>
-          <p:nvPr>
-            <p:ph type="title"/>
-          </p:nvPr>
-        </p:nvSpPr>
-        <p:spPr/>
-        <p:txBody>
-          <a:bodyPr/>
-          <a:lstStyle/>
-          <a:p>
-            <a:pPr eaLnBrk="1" hangingPunct="1"/>
-            <a:r>
-              <a:rPr lang="en-US" sz="3600" smtClean="0">
-                <a:latin typeface="Comic Sans MS" pitchFamily="66" charset="0"/>
-              </a:rPr>
-              <a:t>Incl-Excl Formula: Proof</a:t>
-            </a:r>
-          </a:p>
-        </p:txBody>
-      </p:sp>
-      <p:sp>
-        <p:nvSpPr>
-          <p:cNvPr id="23555" name="Rectangle 3"/>
-          <p:cNvSpPr>
-            <a:spLocks noChangeArrowheads="1"/>
-          </p:cNvSpPr>
-          <p:nvPr/>
-        </p:nvSpPr>
-        <p:spPr bwMode="auto">
-          <a:xfrm>
-            <a:off x="406400" y="1597025"/>
-            <a:ext cx="8555272" cy="4847481"/>
-          </a:xfrm>
-          <a:prstGeom prst="rect">
-            <a:avLst/>
-          </a:prstGeom>
-          <a:noFill/>
-          <a:ln w="38100">
-            <a:noFill/>
-            <a:miter lim="800000"/>
-            <a:headEnd/>
-            <a:tailEnd/>
-          </a:ln>
-        </p:spPr>
-        <p:txBody>
-          <a:bodyPr wrap="none">
-            <a:spAutoFit/>
-          </a:bodyPr>
-          <a:lstStyle/>
-          <a:p>
-            <a:r>
-              <a:rPr lang="en-US" dirty="0" smtClean="0">
-                <a:latin typeface="Comic Sans MS" pitchFamily="66" charset="0"/>
-              </a:rPr>
-              <a:t>1-</a:t>
-            </a:r>
-            <a:r>
-              <a:rPr lang="en-US" dirty="0" smtClean="0">
-                <a:solidFill>
-                  <a:srgbClr val="008000"/>
-                </a:solidFill>
-                <a:latin typeface="Comic Sans MS" pitchFamily="66" charset="0"/>
-              </a:rPr>
-              <a:t>M</a:t>
-            </a:r>
-            <a:r>
-              <a:rPr lang="en-US" baseline="-25000" dirty="0" smtClean="0">
-                <a:solidFill>
-                  <a:srgbClr val="008000"/>
-                </a:solidFill>
-                <a:latin typeface="Comic Sans MS" pitchFamily="66" charset="0"/>
-              </a:rPr>
-              <a:t>D</a:t>
-            </a:r>
-            <a:r>
-              <a:rPr lang="en-US" dirty="0" smtClean="0">
-                <a:solidFill>
-                  <a:srgbClr val="008000"/>
-                </a:solidFill>
-                <a:latin typeface="Comic Sans MS" pitchFamily="66" charset="0"/>
-              </a:rPr>
-              <a:t>(</a:t>
-            </a:r>
-            <a:r>
-              <a:rPr lang="en-US" dirty="0" smtClean="0">
-                <a:solidFill>
-                  <a:srgbClr val="0000FF"/>
-                </a:solidFill>
-                <a:latin typeface="Comic Sans MS" pitchFamily="66" charset="0"/>
-              </a:rPr>
-              <a:t>x</a:t>
-            </a:r>
-            <a:r>
-              <a:rPr lang="en-US" dirty="0" smtClean="0">
-                <a:solidFill>
-                  <a:srgbClr val="008000"/>
-                </a:solidFill>
-                <a:latin typeface="Comic Sans MS" pitchFamily="66" charset="0"/>
-              </a:rPr>
-              <a:t>) </a:t>
-            </a:r>
-            <a:r>
-              <a:rPr lang="en-US" dirty="0" smtClean="0">
-                <a:latin typeface="Comic Sans MS" pitchFamily="66" charset="0"/>
-              </a:rPr>
-              <a:t>= (1-</a:t>
-            </a:r>
-            <a:r>
-              <a:rPr lang="en-US" dirty="0" smtClean="0">
-                <a:solidFill>
-                  <a:srgbClr val="008000"/>
-                </a:solidFill>
-                <a:latin typeface="Comic Sans MS" pitchFamily="66" charset="0"/>
-              </a:rPr>
-              <a:t>M</a:t>
-            </a:r>
-            <a:r>
-              <a:rPr lang="en-US" baseline="-25000" dirty="0" smtClean="0">
-                <a:solidFill>
-                  <a:srgbClr val="008000"/>
-                </a:solidFill>
-                <a:latin typeface="Comic Sans MS" pitchFamily="66" charset="0"/>
-              </a:rPr>
-              <a:t>1</a:t>
-            </a:r>
-            <a:r>
-              <a:rPr lang="en-US" dirty="0" smtClean="0">
-                <a:solidFill>
-                  <a:srgbClr val="008000"/>
-                </a:solidFill>
-                <a:latin typeface="Comic Sans MS" pitchFamily="66" charset="0"/>
-              </a:rPr>
-              <a:t>(</a:t>
-            </a:r>
-            <a:r>
-              <a:rPr lang="en-US" dirty="0" smtClean="0">
-                <a:solidFill>
-                  <a:srgbClr val="0000FF"/>
-                </a:solidFill>
-                <a:latin typeface="Comic Sans MS" pitchFamily="66" charset="0"/>
-              </a:rPr>
-              <a:t>x</a:t>
-            </a:r>
-            <a:r>
-              <a:rPr lang="en-US" dirty="0" smtClean="0">
-                <a:solidFill>
-                  <a:srgbClr val="008000"/>
-                </a:solidFill>
-                <a:latin typeface="Comic Sans MS" pitchFamily="66" charset="0"/>
-              </a:rPr>
-              <a:t>)</a:t>
-            </a:r>
-            <a:r>
-              <a:rPr lang="en-US" dirty="0" smtClean="0">
-                <a:latin typeface="Comic Sans MS" pitchFamily="66" charset="0"/>
-              </a:rPr>
-              <a:t>)(1-</a:t>
-            </a:r>
-            <a:r>
-              <a:rPr lang="en-US" dirty="0" smtClean="0">
-                <a:solidFill>
-                  <a:srgbClr val="008000"/>
-                </a:solidFill>
-                <a:latin typeface="Comic Sans MS" pitchFamily="66" charset="0"/>
-              </a:rPr>
-              <a:t>M</a:t>
-            </a:r>
-            <a:r>
-              <a:rPr lang="en-US" baseline="-25000" dirty="0" smtClean="0">
-                <a:solidFill>
-                  <a:srgbClr val="008000"/>
-                </a:solidFill>
-                <a:latin typeface="Comic Sans MS" pitchFamily="66" charset="0"/>
-              </a:rPr>
-              <a:t>2</a:t>
-            </a:r>
-            <a:r>
-              <a:rPr lang="en-US" dirty="0" smtClean="0">
-                <a:solidFill>
-                  <a:srgbClr val="008000"/>
-                </a:solidFill>
-                <a:latin typeface="Comic Sans MS" pitchFamily="66" charset="0"/>
-              </a:rPr>
-              <a:t>(</a:t>
-            </a:r>
-            <a:r>
-              <a:rPr lang="en-US" dirty="0" smtClean="0">
-                <a:solidFill>
-                  <a:srgbClr val="0000FF"/>
-                </a:solidFill>
-                <a:latin typeface="Comic Sans MS" pitchFamily="66" charset="0"/>
-              </a:rPr>
-              <a:t>x</a:t>
-            </a:r>
-            <a:r>
-              <a:rPr lang="en-US" dirty="0" smtClean="0">
-                <a:solidFill>
-                  <a:srgbClr val="008000"/>
-                </a:solidFill>
-                <a:latin typeface="Comic Sans MS" pitchFamily="66" charset="0"/>
-              </a:rPr>
-              <a:t>)</a:t>
-            </a:r>
-            <a:r>
-              <a:rPr lang="en-US" dirty="0" smtClean="0">
-                <a:latin typeface="Comic Sans MS" pitchFamily="66" charset="0"/>
-              </a:rPr>
-              <a:t>)</a:t>
-            </a:r>
-            <a:r>
-              <a:rPr lang="en-US" dirty="0" smtClean="0">
-                <a:latin typeface="Comic Sans MS" pitchFamily="66" charset="0"/>
-                <a:sym typeface="Euclid Extra" pitchFamily="18" charset="2"/>
-              </a:rPr>
-              <a:t></a:t>
-            </a:r>
-            <a:r>
-              <a:rPr lang="en-US" dirty="0" smtClean="0">
-                <a:latin typeface="Comic Sans MS" pitchFamily="66" charset="0"/>
-              </a:rPr>
-              <a:t>(1-</a:t>
-            </a:r>
-            <a:r>
-              <a:rPr lang="en-US" dirty="0" smtClean="0">
-                <a:solidFill>
-                  <a:srgbClr val="008000"/>
-                </a:solidFill>
-                <a:latin typeface="Comic Sans MS" pitchFamily="66" charset="0"/>
-              </a:rPr>
-              <a:t>M</a:t>
-            </a:r>
-            <a:r>
-              <a:rPr lang="en-US" baseline="-25000" dirty="0" smtClean="0">
-                <a:solidFill>
-                  <a:srgbClr val="008000"/>
-                </a:solidFill>
-                <a:latin typeface="Comic Sans MS" pitchFamily="66" charset="0"/>
-              </a:rPr>
-              <a:t>n</a:t>
-            </a:r>
-            <a:r>
-              <a:rPr lang="en-US" dirty="0" smtClean="0">
-                <a:solidFill>
-                  <a:srgbClr val="008000"/>
-                </a:solidFill>
-                <a:latin typeface="Comic Sans MS" pitchFamily="66" charset="0"/>
-              </a:rPr>
-              <a:t>(</a:t>
-            </a:r>
-            <a:r>
-              <a:rPr lang="en-US" dirty="0" smtClean="0">
-                <a:solidFill>
-                  <a:srgbClr val="0000FF"/>
-                </a:solidFill>
-                <a:latin typeface="Comic Sans MS" pitchFamily="66" charset="0"/>
-              </a:rPr>
-              <a:t>x</a:t>
-            </a:r>
-            <a:r>
-              <a:rPr lang="en-US" dirty="0" smtClean="0">
-                <a:solidFill>
-                  <a:srgbClr val="008000"/>
-                </a:solidFill>
-                <a:latin typeface="Comic Sans MS" pitchFamily="66" charset="0"/>
-              </a:rPr>
-              <a:t>)</a:t>
-            </a:r>
-            <a:r>
-              <a:rPr lang="en-US" dirty="0" smtClean="0">
-                <a:latin typeface="Comic Sans MS" pitchFamily="66" charset="0"/>
-              </a:rPr>
-              <a:t>)</a:t>
-            </a:r>
-            <a:endParaRPr lang="en-US" dirty="0" smtClean="0">
-              <a:solidFill>
-                <a:schemeClr val="accent2"/>
-              </a:solidFill>
-              <a:latin typeface="Comic Sans MS" pitchFamily="66" charset="0"/>
-            </a:endParaRPr>
-          </a:p>
-          <a:p>
-            <a:r>
-              <a:rPr lang="en-US" dirty="0" smtClean="0">
-                <a:solidFill>
-                  <a:srgbClr val="FF00FF"/>
-                </a:solidFill>
-                <a:latin typeface="Comic Sans MS" pitchFamily="66" charset="0"/>
-              </a:rPr>
-              <a:t>now sum both sides over</a:t>
-            </a:r>
-            <a:r>
-              <a:rPr lang="en-US" dirty="0" smtClean="0">
-                <a:latin typeface="Comic Sans MS" pitchFamily="66" charset="0"/>
-              </a:rPr>
-              <a:t> </a:t>
-            </a:r>
-            <a:r>
-              <a:rPr lang="en-US" dirty="0" smtClean="0">
-                <a:solidFill>
-                  <a:srgbClr val="0000FF"/>
-                </a:solidFill>
-                <a:latin typeface="Comic Sans MS" pitchFamily="66" charset="0"/>
-              </a:rPr>
-              <a:t>x</a:t>
-            </a:r>
-            <a:endParaRPr lang="en-US" dirty="0" smtClean="0">
-              <a:solidFill>
-                <a:schemeClr val="accent2"/>
-              </a:solidFill>
-              <a:latin typeface="Comic Sans MS" pitchFamily="66" charset="0"/>
-            </a:endParaRPr>
-          </a:p>
-          <a:p>
-            <a:r>
-              <a:rPr lang="en-US" sz="4000" dirty="0" smtClean="0">
-                <a:solidFill>
-                  <a:srgbClr val="008000"/>
-                </a:solidFill>
-                <a:latin typeface="Comic Sans MS" pitchFamily="66" charset="0"/>
-              </a:rPr>
-              <a:t> </a:t>
-            </a:r>
-            <a:r>
-              <a:rPr lang="en-US" sz="4000" baseline="-25000" dirty="0" smtClean="0">
-                <a:solidFill>
-                  <a:srgbClr val="008000"/>
-                </a:solidFill>
-                <a:latin typeface="Comic Sans MS" pitchFamily="66" charset="0"/>
-              </a:rPr>
-              <a:t>  </a:t>
-            </a:r>
-            <a:r>
-              <a:rPr lang="en-US" sz="4000" dirty="0" smtClean="0">
-                <a:solidFill>
-                  <a:srgbClr val="008000"/>
-                </a:solidFill>
-                <a:latin typeface="Comic Sans MS" pitchFamily="66" charset="0"/>
-              </a:rPr>
-              <a:t> |D| </a:t>
-            </a:r>
-            <a:r>
-              <a:rPr lang="en-US" dirty="0">
-                <a:latin typeface="Comic Sans MS" pitchFamily="66" charset="0"/>
-              </a:rPr>
-              <a:t>=</a:t>
-            </a:r>
-            <a:r>
-              <a:rPr lang="en-US" dirty="0" smtClean="0">
-                <a:latin typeface="Comic Sans MS" pitchFamily="66" charset="0"/>
-              </a:rPr>
-              <a:t> </a:t>
-            </a:r>
-            <a:r>
-              <a:rPr lang="en-US" sz="4800" b="1" dirty="0" smtClean="0">
-                <a:latin typeface="Euclid Symbol" charset="2"/>
-                <a:cs typeface="Euclid Symbol" charset="2"/>
-                <a:sym typeface="Euclid Symbol" pitchFamily="18" charset="2"/>
-              </a:rPr>
-              <a:t>∑</a:t>
-            </a:r>
-            <a:r>
-              <a:rPr lang="en-US" sz="4000" baseline="-25000" dirty="0" err="1" smtClean="0">
-                <a:solidFill>
-                  <a:srgbClr val="008000"/>
-                </a:solidFill>
-                <a:latin typeface="Comic Sans MS" pitchFamily="66" charset="0"/>
-                <a:sym typeface="Euclid Symbol" pitchFamily="18" charset="2"/>
-              </a:rPr>
-              <a:t>i</a:t>
-            </a:r>
-            <a:r>
-              <a:rPr lang="en-US" sz="4000" dirty="0" smtClean="0">
-                <a:solidFill>
-                  <a:srgbClr val="008000"/>
-                </a:solidFill>
-                <a:latin typeface="Comic Sans MS" pitchFamily="66" charset="0"/>
-              </a:rPr>
-              <a:t> |S</a:t>
-            </a:r>
-            <a:r>
-              <a:rPr lang="en-US" sz="4000" baseline="-25000" dirty="0" smtClean="0">
-                <a:solidFill>
-                  <a:srgbClr val="008000"/>
-                </a:solidFill>
-                <a:latin typeface="Comic Sans MS" pitchFamily="66" charset="0"/>
-              </a:rPr>
-              <a:t>i</a:t>
-            </a:r>
-            <a:r>
-              <a:rPr lang="en-US" sz="4000" dirty="0" smtClean="0">
-                <a:solidFill>
-                  <a:srgbClr val="008000"/>
-                </a:solidFill>
-                <a:latin typeface="Comic Sans MS" pitchFamily="66" charset="0"/>
-              </a:rPr>
-              <a:t>|</a:t>
-            </a:r>
-          </a:p>
-          <a:p>
-            <a:r>
-              <a:rPr lang="en-US" sz="4000" dirty="0">
-                <a:solidFill>
-                  <a:srgbClr val="008000"/>
-                </a:solidFill>
-                <a:latin typeface="Comic Sans MS" pitchFamily="66" charset="0"/>
-              </a:rPr>
-              <a:t>          </a:t>
-            </a:r>
-            <a:r>
-              <a:rPr lang="en-US" sz="4000" dirty="0">
-                <a:latin typeface="Comic Sans MS" pitchFamily="66" charset="0"/>
-              </a:rPr>
-              <a:t>-</a:t>
-            </a:r>
-            <a:r>
-              <a:rPr lang="en-US" sz="4000" dirty="0" smtClean="0">
-                <a:latin typeface="Comic Sans MS" pitchFamily="66" charset="0"/>
-              </a:rPr>
-              <a:t> </a:t>
-            </a:r>
-            <a:r>
-              <a:rPr lang="en-US" sz="4800" b="1" dirty="0" smtClean="0">
-                <a:latin typeface="Euclid Symbol" charset="2"/>
-                <a:cs typeface="Euclid Symbol" charset="2"/>
-                <a:sym typeface="Euclid Symbol" pitchFamily="18" charset="2"/>
-              </a:rPr>
-              <a:t>∑</a:t>
-            </a:r>
-            <a:r>
-              <a:rPr lang="en-US" sz="4000" baseline="-25000" dirty="0" err="1" smtClean="0">
-                <a:solidFill>
-                  <a:srgbClr val="008000"/>
-                </a:solidFill>
-                <a:latin typeface="Comic Sans MS" pitchFamily="66" charset="0"/>
-                <a:sym typeface="Euclid Symbol" pitchFamily="18" charset="2"/>
-              </a:rPr>
-              <a:t>i</a:t>
-            </a:r>
-            <a:r>
-              <a:rPr lang="en-US" sz="4000" baseline="-25000" dirty="0">
-                <a:latin typeface="Comic Sans MS" pitchFamily="66" charset="0"/>
-                <a:sym typeface="Euclid Symbol" pitchFamily="18" charset="2"/>
-              </a:rPr>
-              <a:t>&lt;</a:t>
-            </a:r>
-            <a:r>
-              <a:rPr lang="en-US" sz="4000" baseline="-25000" dirty="0" err="1" smtClean="0">
-                <a:solidFill>
-                  <a:srgbClr val="008000"/>
-                </a:solidFill>
-                <a:latin typeface="Comic Sans MS" pitchFamily="66" charset="0"/>
-                <a:sym typeface="Euclid Symbol" pitchFamily="18" charset="2"/>
-              </a:rPr>
-              <a:t>j</a:t>
-            </a:r>
-            <a:r>
-              <a:rPr lang="en-US" sz="4000" dirty="0" err="1" smtClean="0">
-                <a:solidFill>
-                  <a:srgbClr val="008000"/>
-                </a:solidFill>
-                <a:latin typeface="Comic Sans MS" pitchFamily="66" charset="0"/>
-              </a:rPr>
-              <a:t>M</a:t>
-            </a:r>
-            <a:r>
-              <a:rPr lang="en-US" sz="4000" baseline="-25000" dirty="0" err="1" smtClean="0">
-                <a:solidFill>
-                  <a:srgbClr val="008000"/>
-                </a:solidFill>
-                <a:latin typeface="Comic Sans MS" pitchFamily="66" charset="0"/>
-              </a:rPr>
-              <a:t>i</a:t>
-            </a:r>
-            <a:r>
-              <a:rPr lang="en-US" sz="4000" dirty="0" err="1">
-                <a:solidFill>
-                  <a:srgbClr val="008000"/>
-                </a:solidFill>
-                <a:latin typeface="Comic Sans MS" pitchFamily="66" charset="0"/>
-              </a:rPr>
-              <a:t>(</a:t>
-            </a:r>
-            <a:r>
-              <a:rPr lang="en-US" sz="4000" dirty="0" err="1">
-                <a:solidFill>
-                  <a:srgbClr val="0000FF"/>
-                </a:solidFill>
-                <a:latin typeface="Comic Sans MS" pitchFamily="66" charset="0"/>
-              </a:rPr>
-              <a:t>x</a:t>
-            </a:r>
-            <a:r>
-              <a:rPr lang="en-US" sz="4000" dirty="0" err="1" smtClean="0">
-                <a:solidFill>
-                  <a:srgbClr val="008000"/>
-                </a:solidFill>
-                <a:latin typeface="Comic Sans MS" pitchFamily="66" charset="0"/>
-              </a:rPr>
-              <a:t>)M</a:t>
-            </a:r>
-            <a:r>
-              <a:rPr lang="en-US" sz="4000" baseline="-25000" dirty="0" err="1" smtClean="0">
-                <a:solidFill>
-                  <a:srgbClr val="008000"/>
-                </a:solidFill>
-                <a:latin typeface="Comic Sans MS" pitchFamily="66" charset="0"/>
-              </a:rPr>
-              <a:t>j</a:t>
-            </a:r>
-            <a:r>
-              <a:rPr lang="en-US" sz="4000" dirty="0" err="1">
-                <a:solidFill>
-                  <a:srgbClr val="008000"/>
-                </a:solidFill>
-                <a:latin typeface="Comic Sans MS" pitchFamily="66" charset="0"/>
-              </a:rPr>
-              <a:t>(</a:t>
-            </a:r>
-            <a:r>
-              <a:rPr lang="en-US" sz="4000" dirty="0" err="1">
-                <a:solidFill>
-                  <a:srgbClr val="0000FF"/>
-                </a:solidFill>
-                <a:latin typeface="Comic Sans MS" pitchFamily="66" charset="0"/>
-              </a:rPr>
-              <a:t>x</a:t>
-            </a:r>
-            <a:r>
-              <a:rPr lang="en-US" sz="4000" dirty="0">
-                <a:solidFill>
-                  <a:srgbClr val="008000"/>
-                </a:solidFill>
-                <a:latin typeface="Comic Sans MS" pitchFamily="66" charset="0"/>
-              </a:rPr>
-              <a:t>)</a:t>
-            </a:r>
-            <a:endParaRPr lang="en-US" sz="4000" dirty="0">
-              <a:latin typeface="Comic Sans MS" pitchFamily="66" charset="0"/>
-            </a:endParaRPr>
-          </a:p>
-          <a:p>
-            <a:pPr>
-              <a:spcBef>
-                <a:spcPts val="600"/>
-              </a:spcBef>
-            </a:pPr>
-            <a:r>
-              <a:rPr lang="en-US" sz="3200" dirty="0">
-                <a:solidFill>
-                  <a:srgbClr val="008000"/>
-                </a:solidFill>
-                <a:latin typeface="Comic Sans MS" pitchFamily="66" charset="0"/>
-              </a:rPr>
-              <a:t>             </a:t>
-            </a:r>
-            <a:r>
-              <a:rPr lang="en-US" sz="3200" dirty="0">
-                <a:latin typeface="Comic Sans MS" pitchFamily="66" charset="0"/>
-              </a:rPr>
-              <a:t>+</a:t>
-            </a:r>
-            <a:r>
-              <a:rPr lang="en-US" sz="3200" dirty="0" smtClean="0">
-                <a:solidFill>
-                  <a:srgbClr val="008000"/>
-                </a:solidFill>
-                <a:latin typeface="Comic Sans MS" pitchFamily="66" charset="0"/>
-              </a:rPr>
-              <a:t> </a:t>
-            </a:r>
-            <a:r>
-              <a:rPr lang="en-US" sz="4800" b="1" dirty="0" smtClean="0">
-                <a:latin typeface="Euclid Symbol" charset="2"/>
-                <a:cs typeface="Euclid Symbol" charset="2"/>
-                <a:sym typeface="Euclid Symbol" pitchFamily="18" charset="2"/>
-              </a:rPr>
-              <a:t>∑</a:t>
-            </a:r>
-            <a:r>
-              <a:rPr lang="en-US" sz="4000" baseline="-25000" dirty="0" err="1" smtClean="0">
-                <a:solidFill>
-                  <a:srgbClr val="008000"/>
-                </a:solidFill>
-                <a:latin typeface="Comic Sans MS" pitchFamily="66" charset="0"/>
-                <a:sym typeface="Euclid Symbol" pitchFamily="18" charset="2"/>
-              </a:rPr>
-              <a:t>i</a:t>
-            </a:r>
-            <a:r>
-              <a:rPr lang="en-US" sz="4000" baseline="-25000" dirty="0">
-                <a:latin typeface="Comic Sans MS" pitchFamily="66" charset="0"/>
-                <a:sym typeface="Euclid Symbol" pitchFamily="18" charset="2"/>
-              </a:rPr>
-              <a:t>&lt;</a:t>
-            </a:r>
-            <a:r>
-              <a:rPr lang="en-US" sz="4000" baseline="-25000" dirty="0">
-                <a:solidFill>
-                  <a:srgbClr val="008000"/>
-                </a:solidFill>
-                <a:latin typeface="Comic Sans MS" pitchFamily="66" charset="0"/>
-                <a:sym typeface="Euclid Symbol" pitchFamily="18" charset="2"/>
-              </a:rPr>
-              <a:t>j</a:t>
-            </a:r>
-            <a:r>
-              <a:rPr lang="en-US" sz="4000" baseline="-25000" dirty="0">
-                <a:latin typeface="Comic Sans MS" pitchFamily="66" charset="0"/>
-                <a:sym typeface="Euclid Symbol" pitchFamily="18" charset="2"/>
-              </a:rPr>
-              <a:t>&lt;</a:t>
-            </a:r>
-            <a:r>
-              <a:rPr lang="en-US" sz="4000" baseline="-25000" dirty="0" err="1">
-                <a:solidFill>
-                  <a:srgbClr val="008000"/>
-                </a:solidFill>
-                <a:latin typeface="Comic Sans MS" pitchFamily="66" charset="0"/>
-                <a:sym typeface="Euclid Symbol" pitchFamily="18" charset="2"/>
-              </a:rPr>
-              <a:t>k</a:t>
-            </a:r>
-            <a:r>
-              <a:rPr lang="en-US" sz="3200" dirty="0" smtClean="0">
-                <a:solidFill>
-                  <a:srgbClr val="008000"/>
-                </a:solidFill>
-                <a:latin typeface="Comic Sans MS" pitchFamily="66" charset="0"/>
-              </a:rPr>
-              <a:t> </a:t>
-            </a:r>
-            <a:r>
-              <a:rPr lang="en-US" sz="4000" dirty="0" err="1" smtClean="0">
-                <a:solidFill>
-                  <a:srgbClr val="008000"/>
-                </a:solidFill>
-                <a:latin typeface="Comic Sans MS" pitchFamily="66" charset="0"/>
-              </a:rPr>
-              <a:t>M</a:t>
-            </a:r>
-            <a:r>
-              <a:rPr lang="en-US" sz="4000" baseline="-25000" dirty="0" err="1" smtClean="0">
-                <a:solidFill>
-                  <a:srgbClr val="008000"/>
-                </a:solidFill>
-                <a:latin typeface="Comic Sans MS" pitchFamily="66" charset="0"/>
-              </a:rPr>
-              <a:t>i</a:t>
-            </a:r>
-            <a:r>
-              <a:rPr lang="en-US" sz="4000" dirty="0" err="1">
-                <a:solidFill>
-                  <a:srgbClr val="008000"/>
-                </a:solidFill>
-                <a:latin typeface="Comic Sans MS" pitchFamily="66" charset="0"/>
-              </a:rPr>
-              <a:t>(</a:t>
-            </a:r>
-            <a:r>
-              <a:rPr lang="en-US" sz="4000" dirty="0" err="1">
-                <a:solidFill>
-                  <a:srgbClr val="0000FF"/>
-                </a:solidFill>
-                <a:latin typeface="Comic Sans MS" pitchFamily="66" charset="0"/>
-              </a:rPr>
-              <a:t>x</a:t>
-            </a:r>
-            <a:r>
-              <a:rPr lang="en-US" sz="4000" dirty="0" err="1" smtClean="0">
-                <a:solidFill>
-                  <a:srgbClr val="008000"/>
-                </a:solidFill>
-                <a:latin typeface="Comic Sans MS" pitchFamily="66" charset="0"/>
-              </a:rPr>
-              <a:t>)M</a:t>
-            </a:r>
-            <a:r>
-              <a:rPr lang="en-US" sz="4000" baseline="-25000" dirty="0" err="1" smtClean="0">
-                <a:solidFill>
-                  <a:srgbClr val="008000"/>
-                </a:solidFill>
-                <a:latin typeface="Comic Sans MS" pitchFamily="66" charset="0"/>
-              </a:rPr>
-              <a:t>j</a:t>
-            </a:r>
-            <a:r>
-              <a:rPr lang="en-US" sz="4000" dirty="0" err="1">
-                <a:solidFill>
-                  <a:srgbClr val="008000"/>
-                </a:solidFill>
-                <a:latin typeface="Comic Sans MS" pitchFamily="66" charset="0"/>
-              </a:rPr>
-              <a:t>(</a:t>
-            </a:r>
-            <a:r>
-              <a:rPr lang="en-US" sz="4000" dirty="0" err="1">
-                <a:solidFill>
-                  <a:srgbClr val="0000FF"/>
-                </a:solidFill>
-                <a:latin typeface="Comic Sans MS" pitchFamily="66" charset="0"/>
-              </a:rPr>
-              <a:t>x</a:t>
-            </a:r>
-            <a:r>
-              <a:rPr lang="en-US" sz="4000" dirty="0" err="1" smtClean="0">
-                <a:solidFill>
-                  <a:srgbClr val="008000"/>
-                </a:solidFill>
-                <a:latin typeface="Comic Sans MS" pitchFamily="66" charset="0"/>
-              </a:rPr>
-              <a:t>)M</a:t>
-            </a:r>
-            <a:r>
-              <a:rPr lang="en-US" sz="4000" baseline="-25000" dirty="0" err="1" smtClean="0">
-                <a:solidFill>
-                  <a:srgbClr val="008000"/>
-                </a:solidFill>
-                <a:latin typeface="Comic Sans MS" pitchFamily="66" charset="0"/>
-              </a:rPr>
-              <a:t>k</a:t>
-            </a:r>
-            <a:r>
-              <a:rPr lang="en-US" sz="4000" dirty="0" err="1">
-                <a:solidFill>
-                  <a:srgbClr val="008000"/>
-                </a:solidFill>
-                <a:latin typeface="Comic Sans MS" pitchFamily="66" charset="0"/>
-              </a:rPr>
-              <a:t>(</a:t>
-            </a:r>
-            <a:r>
-              <a:rPr lang="en-US" sz="4000" dirty="0" err="1">
-                <a:solidFill>
-                  <a:srgbClr val="0000FF"/>
-                </a:solidFill>
-                <a:latin typeface="Comic Sans MS" pitchFamily="66" charset="0"/>
-              </a:rPr>
-              <a:t>x</a:t>
-            </a:r>
-            <a:r>
-              <a:rPr lang="en-US" sz="4000" dirty="0">
-                <a:solidFill>
-                  <a:srgbClr val="008000"/>
-                </a:solidFill>
-                <a:latin typeface="Comic Sans MS" pitchFamily="66" charset="0"/>
-              </a:rPr>
-              <a:t>) </a:t>
-            </a:r>
-            <a:endParaRPr lang="en-US" sz="3200" dirty="0">
-              <a:latin typeface="Comic Sans MS" pitchFamily="66" charset="0"/>
-            </a:endParaRPr>
-          </a:p>
-          <a:p>
-            <a:r>
-              <a:rPr lang="en-US" sz="3200" dirty="0">
-                <a:solidFill>
-                  <a:srgbClr val="008000"/>
-                </a:solidFill>
-                <a:latin typeface="Comic Sans MS" pitchFamily="66" charset="0"/>
-              </a:rPr>
-              <a:t>           </a:t>
-            </a:r>
-            <a:r>
-              <a:rPr lang="en-US" sz="4400" dirty="0">
-                <a:solidFill>
-                  <a:srgbClr val="008000"/>
-                </a:solidFill>
-                <a:latin typeface="Comic Sans MS" pitchFamily="66" charset="0"/>
-              </a:rPr>
-              <a:t>     </a:t>
-            </a:r>
-            <a:r>
-              <a:rPr lang="en-US" sz="4400" dirty="0">
-                <a:latin typeface="Comic Sans MS" pitchFamily="66" charset="0"/>
-              </a:rPr>
-              <a:t>  </a:t>
-            </a:r>
-            <a:r>
-              <a:rPr lang="en-US" sz="4400" dirty="0">
-                <a:latin typeface="Comic Sans MS" pitchFamily="66" charset="0"/>
-                <a:sym typeface="Euclid Extra" pitchFamily="18" charset="2"/>
-              </a:rPr>
-              <a:t></a:t>
-            </a:r>
-            <a:endParaRPr lang="en-US" sz="4400" dirty="0">
-              <a:latin typeface="Comic Sans MS" pitchFamily="66" charset="0"/>
-            </a:endParaRPr>
-          </a:p>
-          <a:p>
-            <a:r>
-              <a:rPr lang="en-US" sz="4400" dirty="0">
-                <a:latin typeface="Comic Sans MS" pitchFamily="66" charset="0"/>
-              </a:rPr>
-              <a:t>  </a:t>
-            </a:r>
-            <a:r>
-              <a:rPr lang="en-US" sz="4400" dirty="0" smtClean="0">
-                <a:latin typeface="Comic Sans MS" pitchFamily="66" charset="0"/>
-              </a:rPr>
-              <a:t>      </a:t>
-            </a:r>
-            <a:r>
-              <a:rPr lang="en-US" sz="4000" dirty="0" smtClean="0">
-                <a:latin typeface="Comic Sans MS" pitchFamily="66" charset="0"/>
-              </a:rPr>
-              <a:t> </a:t>
-            </a:r>
-            <a:r>
-              <a:rPr lang="en-US" sz="4000" dirty="0">
-                <a:latin typeface="Comic Sans MS" pitchFamily="66" charset="0"/>
-              </a:rPr>
-              <a:t>+ (-1)</a:t>
-            </a:r>
-            <a:r>
-              <a:rPr lang="en-US" sz="4000" baseline="30000" dirty="0">
-                <a:solidFill>
-                  <a:srgbClr val="008000"/>
-                </a:solidFill>
-                <a:latin typeface="Comic Sans MS" pitchFamily="66" charset="0"/>
-              </a:rPr>
-              <a:t>n</a:t>
-            </a:r>
-            <a:r>
-              <a:rPr lang="en-US" sz="4000" baseline="30000" dirty="0">
-                <a:latin typeface="Comic Sans MS" pitchFamily="66" charset="0"/>
-              </a:rPr>
-              <a:t>+1</a:t>
-            </a:r>
-            <a:r>
-              <a:rPr lang="en-US" sz="4000" baseline="30000" dirty="0" smtClean="0">
-                <a:solidFill>
-                  <a:srgbClr val="008000"/>
-                </a:solidFill>
-                <a:latin typeface="Comic Sans MS" pitchFamily="66" charset="0"/>
-              </a:rPr>
-              <a:t> </a:t>
-            </a:r>
-            <a:r>
-              <a:rPr lang="en-US" sz="4000" dirty="0" smtClean="0">
-                <a:solidFill>
-                  <a:srgbClr val="008000"/>
-                </a:solidFill>
-                <a:latin typeface="Comic Sans MS" pitchFamily="66" charset="0"/>
-              </a:rPr>
-              <a:t>M</a:t>
-            </a:r>
-            <a:r>
-              <a:rPr lang="en-US" sz="4000" baseline="-25000" dirty="0" smtClean="0">
-                <a:solidFill>
-                  <a:srgbClr val="008000"/>
-                </a:solidFill>
-                <a:latin typeface="Comic Sans MS" pitchFamily="66" charset="0"/>
-              </a:rPr>
-              <a:t>1</a:t>
-            </a:r>
-            <a:r>
-              <a:rPr lang="en-US" sz="4000" dirty="0">
-                <a:solidFill>
-                  <a:srgbClr val="008000"/>
-                </a:solidFill>
-                <a:latin typeface="Comic Sans MS" pitchFamily="66" charset="0"/>
-              </a:rPr>
-              <a:t>(</a:t>
-            </a:r>
-            <a:r>
-              <a:rPr lang="en-US" sz="4000" dirty="0">
-                <a:solidFill>
-                  <a:srgbClr val="0000FF"/>
-                </a:solidFill>
-                <a:latin typeface="Comic Sans MS" pitchFamily="66" charset="0"/>
-              </a:rPr>
-              <a:t>x</a:t>
-            </a:r>
-            <a:r>
-              <a:rPr lang="en-US" sz="4000" dirty="0" smtClean="0">
-                <a:solidFill>
-                  <a:srgbClr val="008000"/>
-                </a:solidFill>
-                <a:latin typeface="Comic Sans MS" pitchFamily="66" charset="0"/>
-              </a:rPr>
-              <a:t>)M</a:t>
-            </a:r>
-            <a:r>
-              <a:rPr lang="en-US" sz="4000" baseline="-25000" dirty="0" smtClean="0">
-                <a:solidFill>
-                  <a:srgbClr val="008000"/>
-                </a:solidFill>
-                <a:latin typeface="Comic Sans MS" pitchFamily="66" charset="0"/>
-              </a:rPr>
-              <a:t>2</a:t>
-            </a:r>
-            <a:r>
-              <a:rPr lang="en-US" sz="4000" dirty="0">
-                <a:solidFill>
-                  <a:srgbClr val="008000"/>
-                </a:solidFill>
-                <a:latin typeface="Comic Sans MS" pitchFamily="66" charset="0"/>
-              </a:rPr>
-              <a:t>(</a:t>
-            </a:r>
-            <a:r>
-              <a:rPr lang="en-US" sz="4000" dirty="0">
-                <a:solidFill>
-                  <a:srgbClr val="0000FF"/>
-                </a:solidFill>
-                <a:latin typeface="Comic Sans MS" pitchFamily="66" charset="0"/>
-              </a:rPr>
-              <a:t>x</a:t>
-            </a:r>
-            <a:r>
-              <a:rPr lang="en-US" sz="4000" dirty="0">
-                <a:solidFill>
-                  <a:srgbClr val="008000"/>
-                </a:solidFill>
-                <a:latin typeface="Comic Sans MS" pitchFamily="66" charset="0"/>
-              </a:rPr>
-              <a:t>)</a:t>
-            </a:r>
-            <a:r>
-              <a:rPr lang="en-US" sz="4000" dirty="0" smtClean="0">
-                <a:latin typeface="Comic Sans MS" pitchFamily="66" charset="0"/>
-                <a:sym typeface="Euclid Extra" pitchFamily="18" charset="2"/>
-              </a:rPr>
-              <a:t></a:t>
-            </a:r>
-            <a:r>
-              <a:rPr lang="en-US" sz="4000" dirty="0" smtClean="0">
-                <a:solidFill>
-                  <a:srgbClr val="008000"/>
-                </a:solidFill>
-                <a:latin typeface="Comic Sans MS" pitchFamily="66" charset="0"/>
-              </a:rPr>
-              <a:t>M</a:t>
-            </a:r>
-            <a:r>
-              <a:rPr lang="en-US" sz="4000" baseline="-25000" dirty="0" smtClean="0">
-                <a:solidFill>
-                  <a:srgbClr val="008000"/>
-                </a:solidFill>
-                <a:latin typeface="Comic Sans MS" pitchFamily="66" charset="0"/>
-              </a:rPr>
-              <a:t>n</a:t>
-            </a:r>
-            <a:r>
-              <a:rPr lang="en-US" sz="4000" dirty="0">
-                <a:solidFill>
-                  <a:srgbClr val="008000"/>
-                </a:solidFill>
-                <a:latin typeface="Comic Sans MS" pitchFamily="66" charset="0"/>
-              </a:rPr>
-              <a:t>(</a:t>
-            </a:r>
-            <a:r>
-              <a:rPr lang="en-US" sz="4000" dirty="0">
-                <a:solidFill>
-                  <a:srgbClr val="0000FF"/>
-                </a:solidFill>
-                <a:latin typeface="Comic Sans MS" pitchFamily="66" charset="0"/>
-              </a:rPr>
-              <a:t>x</a:t>
-            </a:r>
-            <a:r>
-              <a:rPr lang="en-US" sz="4000" dirty="0">
-                <a:solidFill>
-                  <a:srgbClr val="008000"/>
-                </a:solidFill>
-                <a:latin typeface="Comic Sans MS" pitchFamily="66" charset="0"/>
-              </a:rPr>
-              <a:t>) </a:t>
-            </a:r>
-          </a:p>
-        </p:txBody>
-      </p:sp>
-      <p:sp>
-        <p:nvSpPr>
-          <p:cNvPr id="23556" name="Slide Number Placeholder 4"/>
-          <p:cNvSpPr>
-            <a:spLocks noGrp="1"/>
-          </p:cNvSpPr>
-          <p:nvPr>
-            <p:ph type="sldNum" sz="quarter" idx="10"/>
-          </p:nvPr>
-        </p:nvSpPr>
-        <p:spPr>
-          <a:noFill/>
-        </p:spPr>
-        <p:txBody>
-          <a:bodyPr/>
-          <a:lstStyle/>
-          <a:p>
-            <a:r>
-              <a:rPr lang="en-US" dirty="0" err="1" smtClean="0"/>
-              <a:t>lec</a:t>
-            </a:r>
-            <a:r>
-              <a:rPr lang="en-US" dirty="0" smtClean="0"/>
-              <a:t> 10F.</a:t>
-            </a:r>
-            <a:fld id="{20715C8B-F559-445D-AD56-1F65FAD9BF58}" type="slidenum">
               <a:rPr lang="en-US" smtClean="0"/>
               <a:pPr/>
               <a:t>35</a:t>
@@ -25567,7 +24830,7 @@
                 </a:solidFill>
                 <a:latin typeface="Comic Sans MS" pitchFamily="66" charset="0"/>
               </a:rPr>
-              <a:t>|S</a:t>
+              <a:t>M</a:t>
             </a:r>
             <a:r>
               <a:rPr lang="en-US" sz="4000" baseline="-25000" dirty="0" err="1" smtClean="0">
@@ -25579,11 +24842,22 @@
               <a:t>i</a:t>
             </a:r>
             <a:r>
-              <a:rPr lang="en-US" sz="4000" b="1" dirty="0" err="1" smtClean="0">
-                <a:latin typeface="Comic Sans MS" pitchFamily="66" charset="0"/>
-                <a:sym typeface="Euclid Symbol" pitchFamily="18" charset="2"/>
-              </a:rPr>
-              <a:t>∩</a:t>
+              <a:rPr lang="en-US" sz="4000" dirty="0" err="1">
+                <a:solidFill>
+                  <a:srgbClr val="008000"/>
+                </a:solidFill>
+                <a:latin typeface="Comic Sans MS" pitchFamily="66" charset="0"/>
+              </a:rPr>
+              <a:t>(</a:t>
+            </a:r>
+            <a:r>
+              <a:rPr lang="en-US" sz="4000" dirty="0" err="1">
+                <a:solidFill>
+                  <a:srgbClr val="0000FF"/>
+                </a:solidFill>
+                <a:latin typeface="Comic Sans MS" pitchFamily="66" charset="0"/>
+              </a:rPr>
+              <a:t>x</a:t>
             </a:r>
             <a:r>
               <a:rPr lang="en-US" sz="4000" dirty="0" err="1" smtClean="0">
@@ -25592,7 +24866,7 @@
                 </a:solidFill>
                 <a:latin typeface="Comic Sans MS" pitchFamily="66" charset="0"/>
               </a:rPr>
-              <a:t>S</a:t>
+              <a:t>)M</a:t>
             </a:r>
             <a:r>
               <a:rPr lang="en-US" sz="4000" baseline="-25000" dirty="0" err="1" smtClean="0">
@@ -25604,15 +24878,33 @@
               <a:t>j</a:t>
             </a:r>
             <a:r>
-              <a:rPr lang="en-US" sz="4000" dirty="0" smtClean="0">
-                <a:solidFill>
-                  <a:srgbClr val="008000"/>
-                </a:solidFill>
-                <a:latin typeface="Comic Sans MS" pitchFamily="66" charset="0"/>
-              </a:rPr>
-              <a:t>|</a:t>
-            </a:r>
-            <a:endParaRPr lang="en-US" sz="4000" dirty="0" smtClean="0">
+              <a:rPr lang="en-US" sz="4000" dirty="0" err="1">
+                <a:solidFill>
+                  <a:srgbClr val="008000"/>
+                </a:solidFill>
+                <a:latin typeface="Comic Sans MS" pitchFamily="66" charset="0"/>
+              </a:rPr>
+              <a:t>(</a:t>
+            </a:r>
+            <a:r>
+              <a:rPr lang="en-US" sz="4000" dirty="0" err="1">
+                <a:solidFill>
+                  <a:srgbClr val="0000FF"/>
+                </a:solidFill>
+                <a:latin typeface="Comic Sans MS" pitchFamily="66" charset="0"/>
+              </a:rPr>
+              <a:t>x</a:t>
+            </a:r>
+            <a:r>
+              <a:rPr lang="en-US" sz="4000" dirty="0">
+                <a:solidFill>
+                  <a:srgbClr val="008000"/>
+                </a:solidFill>
+                <a:latin typeface="Comic Sans MS" pitchFamily="66" charset="0"/>
+              </a:rPr>
+              <a:t>)</a:t>
+            </a:r>
+            <a:endParaRPr lang="en-US" sz="4000" dirty="0">
               <a:latin typeface="Comic Sans MS" pitchFamily="66" charset="0"/>
             </a:endParaRPr>
           </a:p>
@@ -25866,10 +25158,16 @@
           </a:p>
           <a:p>
             <a:r>
+              <a:rPr lang="en-US" sz="4400" dirty="0">
+                <a:latin typeface="Comic Sans MS" pitchFamily="66" charset="0"/>
+              </a:rPr>
+              <a:t>  </a:t>
+            </a:r>
+            <a:r>
               <a:rPr lang="en-US" sz="4400" dirty="0" smtClean="0">
                 <a:latin typeface="Comic Sans MS" pitchFamily="66" charset="0"/>
               </a:rPr>
-              <a:t>        </a:t>
+              <a:t>      </a:t>
             </a:r>
             <a:r>
               <a:rPr lang="en-US" sz="4000" dirty="0" smtClean="0">
@@ -26720,22 +26018,13 @@
               <a:t> </a:t>
             </a:r>
             <a:r>
-              <a:rPr lang="en-US" sz="4000" dirty="0" smtClean="0">
-                <a:solidFill>
-                  <a:srgbClr val="008000"/>
-                </a:solidFill>
-                <a:latin typeface="Comic Sans MS" pitchFamily="66" charset="0"/>
-              </a:rPr>
-              <a:t>|</a:t>
-            </a:r>
-            <a:r>
               <a:rPr lang="en-US" sz="4000" dirty="0" err="1" smtClean="0">
                 <a:solidFill>
                   <a:srgbClr val="008000"/>
                 </a:solidFill>
                 <a:latin typeface="Comic Sans MS" pitchFamily="66" charset="0"/>
               </a:rPr>
-              <a:t>S</a:t>
+              <a:t>M</a:t>
             </a:r>
             <a:r>
               <a:rPr lang="en-US" sz="4000" baseline="-25000" dirty="0" err="1" smtClean="0">
@@ -26747,11 +26036,22 @@
               <a:t>i</a:t>
             </a:r>
             <a:r>
-              <a:rPr lang="en-US" sz="4000" b="1" dirty="0" err="1" smtClean="0">
-                <a:latin typeface="Comic Sans MS" pitchFamily="66" charset="0"/>
-                <a:sym typeface="Euclid Symbol" pitchFamily="18" charset="2"/>
-              </a:rPr>
-              <a:t>∩</a:t>
+              <a:rPr lang="en-US" sz="4000" dirty="0" err="1">
+                <a:solidFill>
+                  <a:srgbClr val="008000"/>
+                </a:solidFill>
+                <a:latin typeface="Comic Sans MS" pitchFamily="66" charset="0"/>
+              </a:rPr>
+              <a:t>(</a:t>
+            </a:r>
+            <a:r>
+              <a:rPr lang="en-US" sz="4000" dirty="0" err="1">
+                <a:solidFill>
+                  <a:srgbClr val="0000FF"/>
+                </a:solidFill>
+                <a:latin typeface="Comic Sans MS" pitchFamily="66" charset="0"/>
+              </a:rPr>
+              <a:t>x</a:t>
             </a:r>
             <a:r>
               <a:rPr lang="en-US" sz="4000" dirty="0" err="1" smtClean="0">
@@ -26760,7 +26060,7 @@
                 </a:solidFill>
                 <a:latin typeface="Comic Sans MS" pitchFamily="66" charset="0"/>
               </a:rPr>
-              <a:t>S</a:t>
+              <a:t>)M</a:t>
             </a:r>
             <a:r>
               <a:rPr lang="en-US" sz="4000" baseline="-25000" dirty="0" err="1" smtClean="0">
@@ -26772,11 +26072,22 @@
               <a:t>j</a:t>
             </a:r>
             <a:r>
-              <a:rPr lang="en-US" sz="4000" b="1" dirty="0" err="1" smtClean="0">
-                <a:latin typeface="Comic Sans MS" pitchFamily="66" charset="0"/>
-                <a:sym typeface="Euclid Symbol" pitchFamily="18" charset="2"/>
-              </a:rPr>
-              <a:t>∩</a:t>
+              <a:rPr lang="en-US" sz="4000" dirty="0" err="1">
+                <a:solidFill>
+                  <a:srgbClr val="008000"/>
+                </a:solidFill>
+                <a:latin typeface="Comic Sans MS" pitchFamily="66" charset="0"/>
+              </a:rPr>
+              <a:t>(</a:t>
+            </a:r>
+            <a:r>
+              <a:rPr lang="en-US" sz="4000" dirty="0" err="1">
+                <a:solidFill>
+                  <a:srgbClr val="0000FF"/>
+                </a:solidFill>
+                <a:latin typeface="Comic Sans MS" pitchFamily="66" charset="0"/>
+              </a:rPr>
+              <a:t>x</a:t>
             </a:r>
             <a:r>
               <a:rPr lang="en-US" sz="4000" dirty="0" err="1" smtClean="0">
@@ -26785,7 +26096,7 @@
                 </a:solidFill>
                 <a:latin typeface="Comic Sans MS" pitchFamily="66" charset="0"/>
               </a:rPr>
-              <a:t>S</a:t>
+              <a:t>)M</a:t>
             </a:r>
             <a:r>
               <a:rPr lang="en-US" sz="4000" baseline="-25000" dirty="0" err="1" smtClean="0">
@@ -26797,13 +26108,31 @@
               <a:t>k</a:t>
             </a:r>
             <a:r>
-              <a:rPr lang="en-US" sz="4000" dirty="0" smtClean="0">
-                <a:solidFill>
-                  <a:srgbClr val="008000"/>
-                </a:solidFill>
-                <a:latin typeface="Comic Sans MS" pitchFamily="66" charset="0"/>
-              </a:rPr>
-              <a:t>| </a:t>
+              <a:rPr lang="en-US" sz="4000" dirty="0" err="1">
+                <a:solidFill>
+                  <a:srgbClr val="008000"/>
+                </a:solidFill>
+                <a:latin typeface="Comic Sans MS" pitchFamily="66" charset="0"/>
+              </a:rPr>
+              <a:t>(</a:t>
+            </a:r>
+            <a:r>
+              <a:rPr lang="en-US" sz="4000" dirty="0" err="1">
+                <a:solidFill>
+                  <a:srgbClr val="0000FF"/>
+                </a:solidFill>
+                <a:latin typeface="Comic Sans MS" pitchFamily="66" charset="0"/>
+              </a:rPr>
+              <a:t>x</a:t>
+            </a:r>
+            <a:r>
+              <a:rPr lang="en-US" sz="4000" dirty="0">
+                <a:solidFill>
+                  <a:srgbClr val="008000"/>
+                </a:solidFill>
+                <a:latin typeface="Comic Sans MS" pitchFamily="66" charset="0"/>
+              </a:rPr>
+              <a:t>) </a:t>
             </a:r>
             <a:endParaRPr lang="en-US" sz="3200" dirty="0">
               <a:latin typeface="Comic Sans MS" pitchFamily="66" charset="0"/>
@@ -26847,16 +26176,10 @@
           </a:p>
           <a:p>
             <a:r>
-              <a:rPr lang="en-US" sz="4400" dirty="0">
-                <a:latin typeface="Comic Sans MS" pitchFamily="66" charset="0"/>
-              </a:rPr>
-              <a:t>  </a:t>
-            </a:r>
-            <a:r>
               <a:rPr lang="en-US" sz="4400" dirty="0" smtClean="0">
                 <a:latin typeface="Comic Sans MS" pitchFamily="66" charset="0"/>
               </a:rPr>
-              <a:t>      </a:t>
+              <a:t>        </a:t>
             </a:r>
             <a:r>
               <a:rPr lang="en-US" sz="4000" dirty="0" smtClean="0">
@@ -27135,7 +26458,7 @@
         <p:spPr bwMode="auto">
           <a:xfrm>
             <a:off x="406400" y="1597025"/>
-            <a:ext cx="8799904" cy="4847481"/>
+            <a:ext cx="8555272" cy="4847481"/>
           </a:xfrm>
           <a:prstGeom prst="rect">
             <a:avLst/>
@@ -27790,7 +27113,7 @@
                 </a:solidFill>
                 <a:latin typeface="Comic Sans MS" pitchFamily="66" charset="0"/>
               </a:rPr>
-              <a:t>)| </a:t>
+              <a:t>| </a:t>
             </a:r>
             <a:endParaRPr lang="en-US" sz="3200" dirty="0">
               <a:latin typeface="Comic Sans MS" pitchFamily="66" charset="0"/>
@@ -27837,25 +27160,25 @@
               <a:rPr lang="en-US" sz="4400" dirty="0">
                 <a:latin typeface="Comic Sans MS" pitchFamily="66" charset="0"/>
               </a:rPr>
+              <a:t>  </a:t>
+            </a:r>
+            <a:r>
+              <a:rPr lang="en-US" sz="4400" dirty="0" smtClean="0">
+                <a:latin typeface="Comic Sans MS" pitchFamily="66" charset="0"/>
+              </a:rPr>
               <a:t>      </a:t>
             </a:r>
             <a:r>
-              <a:rPr lang="en-US" sz="4400" dirty="0" smtClean="0">
-                <a:latin typeface="Comic Sans MS" pitchFamily="66" charset="0"/>
-              </a:rPr>
-              <a:t>   </a:t>
-            </a:r>
-            <a:r>
               <a:rPr lang="en-US" sz="4000" dirty="0" smtClean="0">
                 <a:latin typeface="Comic Sans MS" pitchFamily="66" charset="0"/>
               </a:rPr>
-              <a:t>+ </a:t>
+              <a:t> </a:t>
             </a:r>
             <a:r>
               <a:rPr lang="en-US" sz="4000" dirty="0">
                 <a:latin typeface="Comic Sans MS" pitchFamily="66" charset="0"/>
               </a:rPr>
-              <a:t>(-1)</a:t>
+              <a:t>+ (-1)</a:t>
             </a:r>
             <a:r>
               <a:rPr lang="en-US" sz="4000" baseline="30000" dirty="0">
@@ -27888,7 +27211,7 @@
                 </a:solidFill>
                 <a:latin typeface="Comic Sans MS" pitchFamily="66" charset="0"/>
               </a:rPr>
-              <a:t>|S</a:t>
+              <a:t>M</a:t>
             </a:r>
             <a:r>
               <a:rPr lang="en-US" sz="4000" baseline="-25000" dirty="0" smtClean="0">
@@ -27900,11 +27223,22 @@
               <a:t>1</a:t>
             </a:r>
             <a:r>
-              <a:rPr lang="en-US" sz="4000" b="1" dirty="0" smtClean="0">
-                <a:latin typeface="Comic Sans MS" pitchFamily="66" charset="0"/>
-                <a:sym typeface="Euclid Symbol" pitchFamily="18" charset="2"/>
-              </a:rPr>
-              <a:t>∩</a:t>
+              <a:rPr lang="en-US" sz="4000" dirty="0">
+                <a:solidFill>
+                  <a:srgbClr val="008000"/>
+                </a:solidFill>
+                <a:latin typeface="Comic Sans MS" pitchFamily="66" charset="0"/>
+              </a:rPr>
+              <a:t>(</a:t>
+            </a:r>
+            <a:r>
+              <a:rPr lang="en-US" sz="4000" dirty="0">
+                <a:solidFill>
+                  <a:srgbClr val="0000FF"/>
+                </a:solidFill>
+                <a:latin typeface="Comic Sans MS" pitchFamily="66" charset="0"/>
+              </a:rPr>
+              <a:t>x</a:t>
             </a:r>
             <a:r>
               <a:rPr lang="en-US" sz="4000" dirty="0" smtClean="0">
@@ -27913,7 +27247,7 @@
                 </a:solidFill>
                 <a:latin typeface="Comic Sans MS" pitchFamily="66" charset="0"/>
               </a:rPr>
-              <a:t>S</a:t>
+              <a:t>)M</a:t>
             </a:r>
             <a:r>
               <a:rPr lang="en-US" sz="4000" baseline="-25000" dirty="0" smtClean="0">
@@ -27925,6 +27259,33 @@
               <a:t>2</a:t>
             </a:r>
             <a:r>
+              <a:rPr lang="en-US" sz="4000" dirty="0">
+                <a:solidFill>
+                  <a:srgbClr val="008000"/>
+                </a:solidFill>
+                <a:latin typeface="Comic Sans MS" pitchFamily="66" charset="0"/>
+              </a:rPr>
+              <a:t>(</a:t>
+            </a:r>
+            <a:r>
+              <a:rPr lang="en-US" sz="4000" dirty="0">
+                <a:solidFill>
+                  <a:srgbClr val="0000FF"/>
+                </a:solidFill>
+                <a:latin typeface="Comic Sans MS" pitchFamily="66" charset="0"/>
+              </a:rPr>
+              <a:t>x</a:t>
+            </a:r>
+            <a:r>
+              <a:rPr lang="en-US" sz="4000" dirty="0">
+                <a:solidFill>
+                  <a:srgbClr val="008000"/>
+                </a:solidFill>
+                <a:latin typeface="Comic Sans MS" pitchFamily="66" charset="0"/>
+              </a:rPr>
+              <a:t>)</a:t>
+            </a:r>
+            <a:r>
               <a:rPr lang="en-US" sz="4000" dirty="0" smtClean="0">
                 <a:latin typeface="Comic Sans MS" pitchFamily="66" charset="0"/>
                 <a:sym typeface="Euclid Extra" pitchFamily="18" charset="2"/>
@@ -27932,20 +27293,13 @@
               <a:t></a:t>
             </a:r>
             <a:r>
-              <a:rPr lang="en-US" sz="4000" b="1" dirty="0" smtClean="0">
-                <a:latin typeface="Comic Sans MS" pitchFamily="66" charset="0"/>
-                <a:sym typeface="Euclid Symbol" pitchFamily="18" charset="2"/>
-              </a:rPr>
-              <a:t>∩</a:t>
-            </a:r>
-            <a:r>
               <a:rPr lang="en-US" sz="4000" dirty="0" smtClean="0">
                 <a:solidFill>
                   <a:srgbClr val="008000"/>
                 </a:solidFill>
                 <a:latin typeface="Comic Sans MS" pitchFamily="66" charset="0"/>
               </a:rPr>
-              <a:t>S</a:t>
+              <a:t>M</a:t>
             </a:r>
             <a:r>
               <a:rPr lang="en-US" sz="4000" baseline="-25000" dirty="0" smtClean="0">
@@ -27957,20 +27311,32 @@
               <a:t>n</a:t>
             </a:r>
             <a:r>
-              <a:rPr lang="en-US" sz="4000" dirty="0" smtClean="0">
-                <a:solidFill>
-                  <a:srgbClr val="008000"/>
-                </a:solidFill>
-                <a:latin typeface="Comic Sans MS" pitchFamily="66" charset="0"/>
-              </a:rPr>
-              <a:t>| </a:t>
-            </a:r>
-            <a:endParaRPr lang="en-US" sz="4000" dirty="0">
-              <a:solidFill>
-                <a:srgbClr val="008000"/>
-              </a:solidFill>
-              <a:latin typeface="Comic Sans MS" pitchFamily="66" charset="0"/>
-            </a:endParaRPr>
+              <a:rPr lang="en-US" sz="4000" dirty="0">
+                <a:solidFill>
+                  <a:srgbClr val="008000"/>
+                </a:solidFill>
+                <a:latin typeface="Comic Sans MS" pitchFamily="66" charset="0"/>
+              </a:rPr>
+              <a:t>(</a:t>
+            </a:r>
+            <a:r>
+              <a:rPr lang="en-US" sz="4000" dirty="0">
+                <a:solidFill>
+                  <a:srgbClr val="0000FF"/>
+                </a:solidFill>
+                <a:latin typeface="Comic Sans MS" pitchFamily="66" charset="0"/>
+              </a:rPr>
+              <a:t>x</a:t>
+            </a:r>
+            <a:r>
+              <a:rPr lang="en-US" sz="4000" dirty="0">
+                <a:solidFill>
+                  <a:srgbClr val="008000"/>
+                </a:solidFill>
+                <a:latin typeface="Comic Sans MS" pitchFamily="66" charset="0"/>
+              </a:rPr>
+              <a:t>) </a:t>
+            </a:r>
           </a:p>
         </p:txBody>
       </p:sp>
@@ -28078,8 +27444,8 @@
         </p:nvSpPr>
         <p:spPr bwMode="auto">
           <a:xfrm>
-            <a:off x="406400" y="2432715"/>
-            <a:ext cx="7101573" cy="3739485"/>
+            <a:off x="406400" y="1597025"/>
+            <a:ext cx="8799904" cy="4847481"/>
           </a:xfrm>
           <a:prstGeom prst="rect">
             <a:avLst/>
@@ -28099,6 +27465,269 @@
           <a:lstStyle/>
           <a:p>
             <a:r>
+              <a:rPr lang="en-US" dirty="0" smtClean="0">
+                <a:latin typeface="Comic Sans MS" pitchFamily="66" charset="0"/>
+              </a:rPr>
+              <a:t>1-</a:t>
+            </a:r>
+            <a:r>
+              <a:rPr lang="en-US" dirty="0" smtClean="0">
+                <a:solidFill>
+                  <a:srgbClr val="008000"/>
+                </a:solidFill>
+                <a:latin typeface="Comic Sans MS" pitchFamily="66" charset="0"/>
+              </a:rPr>
+              <a:t>M</a:t>
+            </a:r>
+            <a:r>
+              <a:rPr lang="en-US" baseline="-25000" dirty="0" smtClean="0">
+                <a:solidFill>
+                  <a:srgbClr val="008000"/>
+                </a:solidFill>
+                <a:latin typeface="Comic Sans MS" pitchFamily="66" charset="0"/>
+              </a:rPr>
+              <a:t>D</a:t>
+            </a:r>
+            <a:r>
+              <a:rPr lang="en-US" dirty="0" smtClean="0">
+                <a:solidFill>
+                  <a:srgbClr val="008000"/>
+                </a:solidFill>
+                <a:latin typeface="Comic Sans MS" pitchFamily="66" charset="0"/>
+              </a:rPr>
+              <a:t>(</a:t>
+            </a:r>
+            <a:r>
+              <a:rPr lang="en-US" dirty="0" smtClean="0">
+                <a:solidFill>
+                  <a:srgbClr val="0000FF"/>
+                </a:solidFill>
+                <a:latin typeface="Comic Sans MS" pitchFamily="66" charset="0"/>
+              </a:rPr>
+              <a:t>x</a:t>
+            </a:r>
+            <a:r>
+              <a:rPr lang="en-US" dirty="0" smtClean="0">
+                <a:solidFill>
+                  <a:srgbClr val="008000"/>
+                </a:solidFill>
+                <a:latin typeface="Comic Sans MS" pitchFamily="66" charset="0"/>
+              </a:rPr>
+              <a:t>) </a:t>
+            </a:r>
+            <a:r>
+              <a:rPr lang="en-US" dirty="0" smtClean="0">
+                <a:latin typeface="Comic Sans MS" pitchFamily="66" charset="0"/>
+              </a:rPr>
+              <a:t>= (1-</a:t>
+            </a:r>
+            <a:r>
+              <a:rPr lang="en-US" dirty="0" smtClean="0">
+                <a:solidFill>
+                  <a:srgbClr val="008000"/>
+                </a:solidFill>
+                <a:latin typeface="Comic Sans MS" pitchFamily="66" charset="0"/>
+              </a:rPr>
+              <a:t>M</a:t>
+            </a:r>
+            <a:r>
+              <a:rPr lang="en-US" baseline="-25000" dirty="0" smtClean="0">
+                <a:solidFill>
+                  <a:srgbClr val="008000"/>
+                </a:solidFill>
+                <a:latin typeface="Comic Sans MS" pitchFamily="66" charset="0"/>
+              </a:rPr>
+              <a:t>1</a:t>
+            </a:r>
+            <a:r>
+              <a:rPr lang="en-US" dirty="0" smtClean="0">
+                <a:solidFill>
+                  <a:srgbClr val="008000"/>
+                </a:solidFill>
+                <a:latin typeface="Comic Sans MS" pitchFamily="66" charset="0"/>
+              </a:rPr>
+              <a:t>(</a:t>
+            </a:r>
+            <a:r>
+              <a:rPr lang="en-US" dirty="0" smtClean="0">
+                <a:solidFill>
+                  <a:srgbClr val="0000FF"/>
+                </a:solidFill>
+                <a:latin typeface="Comic Sans MS" pitchFamily="66" charset="0"/>
+              </a:rPr>
+              <a:t>x</a:t>
+            </a:r>
+            <a:r>
+              <a:rPr lang="en-US" dirty="0" smtClean="0">
+                <a:solidFill>
+                  <a:srgbClr val="008000"/>
+                </a:solidFill>
+                <a:latin typeface="Comic Sans MS" pitchFamily="66" charset="0"/>
+              </a:rPr>
+              <a:t>)</a:t>
+            </a:r>
+            <a:r>
+              <a:rPr lang="en-US" dirty="0" smtClean="0">
+                <a:latin typeface="Comic Sans MS" pitchFamily="66" charset="0"/>
+              </a:rPr>
+              <a:t>)(1-</a:t>
+            </a:r>
+            <a:r>
+              <a:rPr lang="en-US" dirty="0" smtClean="0">
+                <a:solidFill>
+                  <a:srgbClr val="008000"/>
+                </a:solidFill>
+                <a:latin typeface="Comic Sans MS" pitchFamily="66" charset="0"/>
+              </a:rPr>
+              <a:t>M</a:t>
+            </a:r>
+            <a:r>
+              <a:rPr lang="en-US" baseline="-25000" dirty="0" smtClean="0">
+                <a:solidFill>
+                  <a:srgbClr val="008000"/>
+                </a:solidFill>
+                <a:latin typeface="Comic Sans MS" pitchFamily="66" charset="0"/>
+              </a:rPr>
+              <a:t>2</a:t>
+            </a:r>
+            <a:r>
+              <a:rPr lang="en-US" dirty="0" smtClean="0">
+                <a:solidFill>
+                  <a:srgbClr val="008000"/>
+                </a:solidFill>
+                <a:latin typeface="Comic Sans MS" pitchFamily="66" charset="0"/>
+              </a:rPr>
+              <a:t>(</a:t>
+            </a:r>
+            <a:r>
+              <a:rPr lang="en-US" dirty="0" smtClean="0">
+                <a:solidFill>
+                  <a:srgbClr val="0000FF"/>
+                </a:solidFill>
+                <a:latin typeface="Comic Sans MS" pitchFamily="66" charset="0"/>
+              </a:rPr>
+              <a:t>x</a:t>
+            </a:r>
+            <a:r>
+              <a:rPr lang="en-US" dirty="0" smtClean="0">
+                <a:solidFill>
+                  <a:srgbClr val="008000"/>
+                </a:solidFill>
+                <a:latin typeface="Comic Sans MS" pitchFamily="66" charset="0"/>
+              </a:rPr>
+              <a:t>)</a:t>
+            </a:r>
+            <a:r>
+              <a:rPr lang="en-US" dirty="0" smtClean="0">
+                <a:latin typeface="Comic Sans MS" pitchFamily="66" charset="0"/>
+              </a:rPr>
+              <a:t>)</a:t>
+            </a:r>
+            <a:r>
+              <a:rPr lang="en-US" dirty="0" smtClean="0">
+                <a:latin typeface="Comic Sans MS" pitchFamily="66" charset="0"/>
+                <a:sym typeface="Euclid Extra" pitchFamily="18" charset="2"/>
+              </a:rPr>
+              <a:t></a:t>
+            </a:r>
+            <a:r>
+              <a:rPr lang="en-US" dirty="0" smtClean="0">
+                <a:latin typeface="Comic Sans MS" pitchFamily="66" charset="0"/>
+              </a:rPr>
+              <a:t>(1-</a:t>
+            </a:r>
+            <a:r>
+              <a:rPr lang="en-US" dirty="0" smtClean="0">
+                <a:solidFill>
+                  <a:srgbClr val="008000"/>
+                </a:solidFill>
+                <a:latin typeface="Comic Sans MS" pitchFamily="66" charset="0"/>
+              </a:rPr>
+              <a:t>M</a:t>
+            </a:r>
+            <a:r>
+              <a:rPr lang="en-US" baseline="-25000" dirty="0" smtClean="0">
+                <a:solidFill>
+                  <a:srgbClr val="008000"/>
+                </a:solidFill>
+                <a:latin typeface="Comic Sans MS" pitchFamily="66" charset="0"/>
+              </a:rPr>
+              <a:t>n</a:t>
+            </a:r>
+            <a:r>
+              <a:rPr lang="en-US" dirty="0" smtClean="0">
+                <a:solidFill>
+                  <a:srgbClr val="008000"/>
+                </a:solidFill>
+                <a:latin typeface="Comic Sans MS" pitchFamily="66" charset="0"/>
+              </a:rPr>
+              <a:t>(</a:t>
+            </a:r>
+            <a:r>
+              <a:rPr lang="en-US" dirty="0" smtClean="0">
+                <a:solidFill>
+                  <a:srgbClr val="0000FF"/>
+                </a:solidFill>
+                <a:latin typeface="Comic Sans MS" pitchFamily="66" charset="0"/>
+              </a:rPr>
+              <a:t>x</a:t>
+            </a:r>
+            <a:r>
+              <a:rPr lang="en-US" dirty="0" smtClean="0">
+                <a:solidFill>
+                  <a:srgbClr val="008000"/>
+                </a:solidFill>
+                <a:latin typeface="Comic Sans MS" pitchFamily="66" charset="0"/>
+              </a:rPr>
+              <a:t>)</a:t>
+            </a:r>
+            <a:r>
+              <a:rPr lang="en-US" dirty="0" smtClean="0">
+                <a:latin typeface="Comic Sans MS" pitchFamily="66" charset="0"/>
+              </a:rPr>
+              <a:t>)</a:t>
+            </a:r>
+            <a:endParaRPr lang="en-US" dirty="0" smtClean="0">
+              <a:solidFill>
+                <a:schemeClr val="accent2"/>
+              </a:solidFill>
+              <a:latin typeface="Comic Sans MS" pitchFamily="66" charset="0"/>
+            </a:endParaRPr>
+          </a:p>
+          <a:p>
+            <a:r>
+              <a:rPr lang="en-US" dirty="0" smtClean="0">
+                <a:solidFill>
+                  <a:srgbClr val="FF00FF"/>
+                </a:solidFill>
+                <a:latin typeface="Comic Sans MS" pitchFamily="66" charset="0"/>
+              </a:rPr>
+              <a:t>now sum both sides over</a:t>
+            </a:r>
+            <a:r>
+              <a:rPr lang="en-US" dirty="0" smtClean="0">
+                <a:latin typeface="Comic Sans MS" pitchFamily="66" charset="0"/>
+              </a:rPr>
+              <a:t> </a:t>
+            </a:r>
+            <a:r>
+              <a:rPr lang="en-US" dirty="0" smtClean="0">
+                <a:solidFill>
+                  <a:srgbClr val="0000FF"/>
+                </a:solidFill>
+                <a:latin typeface="Comic Sans MS" pitchFamily="66" charset="0"/>
+              </a:rPr>
+              <a:t>x</a:t>
+            </a:r>
+            <a:endParaRPr lang="en-US" dirty="0" smtClean="0">
+              <a:solidFill>
+                <a:schemeClr val="accent2"/>
+              </a:solidFill>
+              <a:latin typeface="Comic Sans MS" pitchFamily="66" charset="0"/>
+            </a:endParaRPr>
+          </a:p>
+          <a:p>
+            <a:r>
               <a:rPr lang="en-US" sz="4000" dirty="0" smtClean="0">
                 <a:solidFill>
                   <a:srgbClr val="008000"/>
@@ -28471,7 +28100,7 @@
                 </a:solidFill>
                 <a:latin typeface="Comic Sans MS" pitchFamily="66" charset="0"/>
               </a:rPr>
-              <a:t>| </a:t>
+              <a:t>)| </a:t>
             </a:r>
             <a:endParaRPr lang="en-US" sz="3200" dirty="0">
               <a:latin typeface="Comic Sans MS" pitchFamily="66" charset="0"/>
@@ -28689,69 +28318,6 @@
           </a:p>
         </p:txBody>
       </p:sp>
-      <p:sp>
-        <p:nvSpPr>
-          <p:cNvPr id="5" name="Rectangle 4"/>
-          <p:cNvSpPr/>
-          <p:nvPr/>
-        </p:nvSpPr>
-        <p:spPr bwMode="auto">
-          <a:xfrm>
-            <a:off x="914400" y="1371600"/>
-            <a:ext cx="6781800" cy="4191000"/>
-          </a:xfrm>
-          <a:prstGeom prst="rect">
-            <a:avLst/>
-          </a:prstGeom>
-          <a:noFill/>
-          <a:ln w="38100" cap="flat" cmpd="sng" algn="ctr">
-            <a:solidFill>
-              <a:srgbClr val="FF00FF"/>
-            </a:solidFill>
-            <a:prstDash val="dash"/>
-            <a:round/>
-            <a:headEnd type="none" w="med" len="med"/>
-            <a:tailEnd type="none" w="med" len="med"/>
-          </a:ln>
-          <a:effectLst/>
-        </p:spPr>
-        <p:txBody>
-          <a:bodyPr vert="horz" wrap="square" lIns="91440" tIns="45720" rIns="91440" bIns="45720" numCol="1" rtlCol="0" anchor="t" anchorCtr="0" compatLnSpc="1">
-            <a:prstTxWarp prst="textNoShape">
-              <a:avLst/>
-            </a:prstTxWarp>
-          </a:bodyPr>
-          <a:lstStyle/>
-          <a:p>
-            <a:pPr marL="0" marR="0" indent="0" algn="l" defTabSz="914400" rtl="0" eaLnBrk="1" fontAlgn="base" latinLnBrk="0" hangingPunct="1">
-              <a:lnSpc>
-                <a:spcPct val="100000"/>
-              </a:lnSpc>
-              <a:spcBef>
-                <a:spcPct val="0"/>
-              </a:spcBef>
-              <a:spcAft>
-                <a:spcPct val="0"/>
-              </a:spcAft>
-              <a:buClrTx/>
-              <a:buSzTx/>
-              <a:buFontTx/>
-              <a:buNone/>
-              <a:tabLst/>
-            </a:pPr>
-            <a:endParaRPr kumimoji="0" lang="en-US" sz="3600" b="0" i="0" u="none" strike="noStrike" cap="none" normalizeH="0" baseline="0" smtClean="0">
-              <a:ln>
-                <a:noFill/>
-              </a:ln>
-              <a:solidFill>
-                <a:schemeClr val="tx1"/>
-              </a:solidFill>
-              <a:effectLst/>
-              <a:latin typeface="Times New Roman" pitchFamily="8" charset="0"/>
-            </a:endParaRPr>
-          </a:p>
-        </p:txBody>
-      </p:sp>
     </p:spTree>
   </p:cSld>
   <p:clrMapOvr>
@@ -28763,122 +28329,9 @@
   <p:timing>
     <p:tnLst>
       <p:par>
-        <p:cTn id="1" dur="indefinite" restart="never" nodeType="tmRoot">
-          <p:childTnLst>
-            <p:seq concurrent="1" nextAc="seek">
-              <p:cTn id="2" dur="indefinite" nodeType="mainSeq">
-                <p:childTnLst>
-                  <p:par>
-                    <p:cTn id="3" fill="hold">
-                      <p:stCondLst>
-                        <p:cond delay="indefinite"/>
-                        <p:cond evt="onBegin" delay="0">
-                          <p:tn val="2"/>
-                        </p:cond>
-                      </p:stCondLst>
-                      <p:childTnLst>
-                        <p:par>
-                          <p:cTn id="4" fill="hold">
-                            <p:stCondLst>
-                              <p:cond delay="0"/>
-                            </p:stCondLst>
-                            <p:childTnLst>
-                              <p:par>
-                                <p:cTn id="5" presetID="0" presetClass="path" presetSubtype="0" accel="50000" decel="50000" fill="hold" grpId="0" nodeType="afterEffect">
-                                  <p:stCondLst>
-                                    <p:cond delay="0"/>
-                                  </p:stCondLst>
-                                  <p:childTnLst>
-                                    <p:animMotion origin="layout" path="M -3.02188E-7 -3.63342E-6 L -3.02188E-7 -0.14441 " pathEditMode="relative" ptsTypes="AA">
-                                      <p:cBhvr>
-                                        <p:cTn id="6" dur="1000" fill="hold"/>
-                                        <p:tgtEl>
-                                          <p:spTgt spid="23555"/>
-                                        </p:tgtEl>
-                                        <p:attrNameLst>
-                                          <p:attrName>ppt_x</p:attrName>
-                                          <p:attrName>ppt_y</p:attrName>
-                                        </p:attrNameLst>
-                                      </p:cBhvr>
-                                    </p:animMotion>
-                                  </p:childTnLst>
-                                </p:cTn>
-                              </p:par>
-                            </p:childTnLst>
-                          </p:cTn>
-                        </p:par>
-                        <p:par>
-                          <p:cTn id="7" fill="hold">
-                            <p:stCondLst>
-                              <p:cond delay="1000"/>
-                            </p:stCondLst>
-                            <p:childTnLst>
-                              <p:par>
-                                <p:cTn id="8" presetID="10" presetClass="entr" presetSubtype="0" fill="hold" grpId="0" nodeType="afterEffect">
-                                  <p:stCondLst>
-                                    <p:cond delay="0"/>
-                                  </p:stCondLst>
-                                  <p:childTnLst>
-                                    <p:set>
-                                      <p:cBhvr>
-                                        <p:cTn id="9" dur="1" fill="hold">
-                                          <p:stCondLst>
-                                            <p:cond delay="0"/>
-                                          </p:stCondLst>
-                                        </p:cTn>
-                                        <p:tgtEl>
-                                          <p:spTgt spid="5"/>
-                                        </p:tgtEl>
-                                        <p:attrNameLst>
-                                          <p:attrName>style.visibility</p:attrName>
-                                        </p:attrNameLst>
-                                      </p:cBhvr>
-                                      <p:to>
-                                        <p:strVal val="visible"/>
-                                      </p:to>
-                                    </p:set>
-                                    <p:animEffect transition="in" filter="fade">
-                                      <p:cBhvr>
-                                        <p:cTn id="10" dur="500"/>
-                                        <p:tgtEl>
-                                          <p:spTgt spid="5"/>
-                                        </p:tgtEl>
-                                      </p:cBhvr>
-                                    </p:animEffect>
-                                  </p:childTnLst>
-                                </p:cTn>
-                              </p:par>
-                            </p:childTnLst>
-                          </p:cTn>
-                        </p:par>
-                      </p:childTnLst>
-                    </p:cTn>
-                  </p:par>
-                </p:childTnLst>
-              </p:cTn>
-              <p:prevCondLst>
-                <p:cond evt="onPrev" delay="0">
-                  <p:tgtEl>
-                    <p:sldTgt/>
-                  </p:tgtEl>
-                </p:cond>
-              </p:prevCondLst>
-              <p:nextCondLst>
-                <p:cond evt="onNext" delay="0">
-                  <p:tgtEl>
-                    <p:sldTgt/>
-                  </p:tgtEl>
-                </p:cond>
-              </p:nextCondLst>
-            </p:seq>
-          </p:childTnLst>
-        </p:cTn>
+        <p:cTn id="1" dur="indefinite" restart="never" nodeType="tmRoot"/>
       </p:par>
     </p:tnLst>
-    <p:bldLst>
-      <p:bldP spid="23555" grpId="0"/>
-      <p:bldP spid="5" grpId="0" animBg="1"/>
-    </p:bldLst>
   </p:timing>
 </p:sld>
 </file>
@@ -29313,6 +28766,863 @@
 </file>
 
 <file path=ppt/slides/slide40.xml><?xml version="1.0" encoding="utf-8"?>
+<p:sld xmlns:a="http://schemas.openxmlformats.org/drawingml/2006/main" xmlns:r="http://schemas.openxmlformats.org/officeDocument/2006/relationships" xmlns:mc="http://schemas.openxmlformats.org/markup-compatibility/2006" xmlns:mv="urn:schemas-microsoft-com:mac:vml" xmlns:p="http://schemas.openxmlformats.org/presentationml/2006/main" mc:Ignorable="mv" mc:PreserveAttributes="mv:*" show="0">
+  <p:cSld>
+    <p:spTree>
+      <p:nvGrpSpPr>
+        <p:cNvPr id="1" name=""/>
+        <p:cNvGrpSpPr/>
+        <p:nvPr/>
+      </p:nvGrpSpPr>
+      <p:grpSpPr>
+        <a:xfrm>
+          <a:off x="0" y="0"/>
+          <a:ext cx="0" cy="0"/>
+          <a:chOff x="0" y="0"/>
+          <a:chExt cx="0" cy="0"/>
+        </a:xfrm>
+      </p:grpSpPr>
+      <p:sp>
+        <p:nvSpPr>
+          <p:cNvPr id="23554" name="Rectangle 2"/>
+          <p:cNvSpPr>
+            <a:spLocks noGrp="1" noChangeArrowheads="1"/>
+          </p:cNvSpPr>
+          <p:nvPr>
+            <p:ph type="title"/>
+          </p:nvPr>
+        </p:nvSpPr>
+        <p:spPr/>
+        <p:txBody>
+          <a:bodyPr/>
+          <a:lstStyle/>
+          <a:p>
+            <a:pPr eaLnBrk="1" hangingPunct="1"/>
+            <a:r>
+              <a:rPr lang="en-US" sz="3600" smtClean="0">
+                <a:latin typeface="Comic Sans MS" pitchFamily="66" charset="0"/>
+              </a:rPr>
+              <a:t>Incl-Excl Formula: Proof</a:t>
+            </a:r>
+          </a:p>
+        </p:txBody>
+      </p:sp>
+      <p:sp>
+        <p:nvSpPr>
+          <p:cNvPr id="23555" name="Rectangle 3"/>
+          <p:cNvSpPr>
+            <a:spLocks noChangeArrowheads="1"/>
+          </p:cNvSpPr>
+          <p:nvPr/>
+        </p:nvSpPr>
+        <p:spPr bwMode="auto">
+          <a:xfrm>
+            <a:off x="406400" y="2432715"/>
+            <a:ext cx="7101573" cy="3739485"/>
+          </a:xfrm>
+          <a:prstGeom prst="rect">
+            <a:avLst/>
+          </a:prstGeom>
+          <a:noFill/>
+          <a:ln w="38100">
+            <a:noFill/>
+            <a:miter lim="800000"/>
+            <a:headEnd/>
+            <a:tailEnd/>
+          </a:ln>
+        </p:spPr>
+        <p:txBody>
+          <a:bodyPr wrap="none">
+            <a:spAutoFit/>
+          </a:bodyPr>
+          <a:lstStyle/>
+          <a:p>
+            <a:r>
+              <a:rPr lang="en-US" sz="4000" dirty="0" smtClean="0">
+                <a:solidFill>
+                  <a:srgbClr val="008000"/>
+                </a:solidFill>
+                <a:latin typeface="Comic Sans MS" pitchFamily="66" charset="0"/>
+              </a:rPr>
+              <a:t> </a:t>
+            </a:r>
+            <a:r>
+              <a:rPr lang="en-US" sz="4000" baseline="-25000" dirty="0" smtClean="0">
+                <a:solidFill>
+                  <a:srgbClr val="008000"/>
+                </a:solidFill>
+                <a:latin typeface="Comic Sans MS" pitchFamily="66" charset="0"/>
+              </a:rPr>
+              <a:t>  </a:t>
+            </a:r>
+            <a:r>
+              <a:rPr lang="en-US" sz="4000" dirty="0" smtClean="0">
+                <a:solidFill>
+                  <a:srgbClr val="008000"/>
+                </a:solidFill>
+                <a:latin typeface="Comic Sans MS" pitchFamily="66" charset="0"/>
+              </a:rPr>
+              <a:t> |D| </a:t>
+            </a:r>
+            <a:r>
+              <a:rPr lang="en-US" dirty="0">
+                <a:latin typeface="Comic Sans MS" pitchFamily="66" charset="0"/>
+              </a:rPr>
+              <a:t>=</a:t>
+            </a:r>
+            <a:r>
+              <a:rPr lang="en-US" dirty="0" smtClean="0">
+                <a:latin typeface="Comic Sans MS" pitchFamily="66" charset="0"/>
+              </a:rPr>
+              <a:t> </a:t>
+            </a:r>
+            <a:r>
+              <a:rPr lang="en-US" sz="4800" b="1" dirty="0" smtClean="0">
+                <a:latin typeface="Euclid Symbol" charset="2"/>
+                <a:cs typeface="Euclid Symbol" charset="2"/>
+                <a:sym typeface="Euclid Symbol" pitchFamily="18" charset="2"/>
+              </a:rPr>
+              <a:t>∑</a:t>
+            </a:r>
+            <a:r>
+              <a:rPr lang="en-US" sz="4000" baseline="-25000" dirty="0" err="1" smtClean="0">
+                <a:solidFill>
+                  <a:srgbClr val="008000"/>
+                </a:solidFill>
+                <a:latin typeface="Comic Sans MS" pitchFamily="66" charset="0"/>
+                <a:sym typeface="Euclid Symbol" pitchFamily="18" charset="2"/>
+              </a:rPr>
+              <a:t>i</a:t>
+            </a:r>
+            <a:r>
+              <a:rPr lang="en-US" sz="4000" dirty="0" smtClean="0">
+                <a:solidFill>
+                  <a:srgbClr val="008000"/>
+                </a:solidFill>
+                <a:latin typeface="Comic Sans MS" pitchFamily="66" charset="0"/>
+              </a:rPr>
+              <a:t> |S</a:t>
+            </a:r>
+            <a:r>
+              <a:rPr lang="en-US" sz="4000" baseline="-25000" dirty="0" smtClean="0">
+                <a:solidFill>
+                  <a:srgbClr val="008000"/>
+                </a:solidFill>
+                <a:latin typeface="Comic Sans MS" pitchFamily="66" charset="0"/>
+              </a:rPr>
+              <a:t>i</a:t>
+            </a:r>
+            <a:r>
+              <a:rPr lang="en-US" sz="4000" dirty="0" smtClean="0">
+                <a:solidFill>
+                  <a:srgbClr val="008000"/>
+                </a:solidFill>
+                <a:latin typeface="Comic Sans MS" pitchFamily="66" charset="0"/>
+              </a:rPr>
+              <a:t>|</a:t>
+            </a:r>
+          </a:p>
+          <a:p>
+            <a:r>
+              <a:rPr lang="en-US" sz="4000" dirty="0">
+                <a:solidFill>
+                  <a:srgbClr val="008000"/>
+                </a:solidFill>
+                <a:latin typeface="Comic Sans MS" pitchFamily="66" charset="0"/>
+              </a:rPr>
+              <a:t>          </a:t>
+            </a:r>
+            <a:r>
+              <a:rPr lang="en-US" sz="4000" dirty="0">
+                <a:latin typeface="Comic Sans MS" pitchFamily="66" charset="0"/>
+              </a:rPr>
+              <a:t>-</a:t>
+            </a:r>
+            <a:r>
+              <a:rPr lang="en-US" sz="4000" dirty="0" smtClean="0">
+                <a:latin typeface="Comic Sans MS" pitchFamily="66" charset="0"/>
+              </a:rPr>
+              <a:t> </a:t>
+            </a:r>
+            <a:r>
+              <a:rPr lang="en-US" sz="4800" b="1" dirty="0" smtClean="0">
+                <a:latin typeface="Euclid Symbol" charset="2"/>
+                <a:cs typeface="Euclid Symbol" charset="2"/>
+                <a:sym typeface="Euclid Symbol" pitchFamily="18" charset="2"/>
+              </a:rPr>
+              <a:t>∑</a:t>
+            </a:r>
+            <a:r>
+              <a:rPr lang="en-US" sz="4000" baseline="-25000" dirty="0" err="1" smtClean="0">
+                <a:solidFill>
+                  <a:srgbClr val="008000"/>
+                </a:solidFill>
+                <a:latin typeface="Comic Sans MS" pitchFamily="66" charset="0"/>
+                <a:sym typeface="Euclid Symbol" pitchFamily="18" charset="2"/>
+              </a:rPr>
+              <a:t>i</a:t>
+            </a:r>
+            <a:r>
+              <a:rPr lang="en-US" sz="4000" baseline="-25000" dirty="0">
+                <a:latin typeface="Comic Sans MS" pitchFamily="66" charset="0"/>
+                <a:sym typeface="Euclid Symbol" pitchFamily="18" charset="2"/>
+              </a:rPr>
+              <a:t>&lt;</a:t>
+            </a:r>
+            <a:r>
+              <a:rPr lang="en-US" sz="4000" baseline="-25000" dirty="0" err="1" smtClean="0">
+                <a:solidFill>
+                  <a:srgbClr val="008000"/>
+                </a:solidFill>
+                <a:latin typeface="Comic Sans MS" pitchFamily="66" charset="0"/>
+                <a:sym typeface="Euclid Symbol" pitchFamily="18" charset="2"/>
+              </a:rPr>
+              <a:t>j</a:t>
+            </a:r>
+            <a:r>
+              <a:rPr lang="en-US" sz="4000" dirty="0" err="1" smtClean="0">
+                <a:solidFill>
+                  <a:srgbClr val="008000"/>
+                </a:solidFill>
+                <a:latin typeface="Comic Sans MS" pitchFamily="66" charset="0"/>
+              </a:rPr>
+              <a:t>|S</a:t>
+            </a:r>
+            <a:r>
+              <a:rPr lang="en-US" sz="4000" baseline="-25000" dirty="0" err="1" smtClean="0">
+                <a:solidFill>
+                  <a:srgbClr val="008000"/>
+                </a:solidFill>
+                <a:latin typeface="Comic Sans MS" pitchFamily="66" charset="0"/>
+              </a:rPr>
+              <a:t>i</a:t>
+            </a:r>
+            <a:r>
+              <a:rPr lang="en-US" sz="4000" b="1" dirty="0" err="1" smtClean="0">
+                <a:latin typeface="Comic Sans MS" pitchFamily="66" charset="0"/>
+                <a:sym typeface="Euclid Symbol" pitchFamily="18" charset="2"/>
+              </a:rPr>
+              <a:t>∩</a:t>
+            </a:r>
+            <a:r>
+              <a:rPr lang="en-US" sz="4000" dirty="0" err="1" smtClean="0">
+                <a:solidFill>
+                  <a:srgbClr val="008000"/>
+                </a:solidFill>
+                <a:latin typeface="Comic Sans MS" pitchFamily="66" charset="0"/>
+              </a:rPr>
+              <a:t>S</a:t>
+            </a:r>
+            <a:r>
+              <a:rPr lang="en-US" sz="4000" baseline="-25000" dirty="0" err="1" smtClean="0">
+                <a:solidFill>
+                  <a:srgbClr val="008000"/>
+                </a:solidFill>
+                <a:latin typeface="Comic Sans MS" pitchFamily="66" charset="0"/>
+              </a:rPr>
+              <a:t>j</a:t>
+            </a:r>
+            <a:r>
+              <a:rPr lang="en-US" sz="4000" dirty="0" smtClean="0">
+                <a:solidFill>
+                  <a:srgbClr val="008000"/>
+                </a:solidFill>
+                <a:latin typeface="Comic Sans MS" pitchFamily="66" charset="0"/>
+              </a:rPr>
+              <a:t>|</a:t>
+            </a:r>
+            <a:endParaRPr lang="en-US" sz="4000" dirty="0" smtClean="0">
+              <a:latin typeface="Comic Sans MS" pitchFamily="66" charset="0"/>
+            </a:endParaRPr>
+          </a:p>
+          <a:p>
+            <a:pPr>
+              <a:spcBef>
+                <a:spcPts val="600"/>
+              </a:spcBef>
+            </a:pPr>
+            <a:r>
+              <a:rPr lang="en-US" sz="3200" dirty="0">
+                <a:solidFill>
+                  <a:srgbClr val="008000"/>
+                </a:solidFill>
+                <a:latin typeface="Comic Sans MS" pitchFamily="66" charset="0"/>
+              </a:rPr>
+              <a:t>             </a:t>
+            </a:r>
+            <a:r>
+              <a:rPr lang="en-US" sz="3200" dirty="0">
+                <a:latin typeface="Comic Sans MS" pitchFamily="66" charset="0"/>
+              </a:rPr>
+              <a:t>+</a:t>
+            </a:r>
+            <a:r>
+              <a:rPr lang="en-US" sz="3200" dirty="0" smtClean="0">
+                <a:solidFill>
+                  <a:srgbClr val="008000"/>
+                </a:solidFill>
+                <a:latin typeface="Comic Sans MS" pitchFamily="66" charset="0"/>
+              </a:rPr>
+              <a:t> </a:t>
+            </a:r>
+            <a:r>
+              <a:rPr lang="en-US" sz="4800" b="1" dirty="0" smtClean="0">
+                <a:latin typeface="Euclid Symbol" charset="2"/>
+                <a:cs typeface="Euclid Symbol" charset="2"/>
+                <a:sym typeface="Euclid Symbol" pitchFamily="18" charset="2"/>
+              </a:rPr>
+              <a:t>∑</a:t>
+            </a:r>
+            <a:r>
+              <a:rPr lang="en-US" sz="4000" baseline="-25000" dirty="0" err="1" smtClean="0">
+                <a:solidFill>
+                  <a:srgbClr val="008000"/>
+                </a:solidFill>
+                <a:latin typeface="Comic Sans MS" pitchFamily="66" charset="0"/>
+                <a:sym typeface="Euclid Symbol" pitchFamily="18" charset="2"/>
+              </a:rPr>
+              <a:t>i</a:t>
+            </a:r>
+            <a:r>
+              <a:rPr lang="en-US" sz="4000" baseline="-25000" dirty="0">
+                <a:latin typeface="Comic Sans MS" pitchFamily="66" charset="0"/>
+                <a:sym typeface="Euclid Symbol" pitchFamily="18" charset="2"/>
+              </a:rPr>
+              <a:t>&lt;</a:t>
+            </a:r>
+            <a:r>
+              <a:rPr lang="en-US" sz="4000" baseline="-25000" dirty="0">
+                <a:solidFill>
+                  <a:srgbClr val="008000"/>
+                </a:solidFill>
+                <a:latin typeface="Comic Sans MS" pitchFamily="66" charset="0"/>
+                <a:sym typeface="Euclid Symbol" pitchFamily="18" charset="2"/>
+              </a:rPr>
+              <a:t>j</a:t>
+            </a:r>
+            <a:r>
+              <a:rPr lang="en-US" sz="4000" baseline="-25000" dirty="0">
+                <a:latin typeface="Comic Sans MS" pitchFamily="66" charset="0"/>
+                <a:sym typeface="Euclid Symbol" pitchFamily="18" charset="2"/>
+              </a:rPr>
+              <a:t>&lt;</a:t>
+            </a:r>
+            <a:r>
+              <a:rPr lang="en-US" sz="4000" baseline="-25000" dirty="0" err="1">
+                <a:solidFill>
+                  <a:srgbClr val="008000"/>
+                </a:solidFill>
+                <a:latin typeface="Comic Sans MS" pitchFamily="66" charset="0"/>
+                <a:sym typeface="Euclid Symbol" pitchFamily="18" charset="2"/>
+              </a:rPr>
+              <a:t>k</a:t>
+            </a:r>
+            <a:r>
+              <a:rPr lang="en-US" sz="3200" dirty="0" smtClean="0">
+                <a:solidFill>
+                  <a:srgbClr val="008000"/>
+                </a:solidFill>
+                <a:latin typeface="Comic Sans MS" pitchFamily="66" charset="0"/>
+              </a:rPr>
+              <a:t> </a:t>
+            </a:r>
+            <a:r>
+              <a:rPr lang="en-US" sz="4000" dirty="0" smtClean="0">
+                <a:solidFill>
+                  <a:srgbClr val="008000"/>
+                </a:solidFill>
+                <a:latin typeface="Comic Sans MS" pitchFamily="66" charset="0"/>
+              </a:rPr>
+              <a:t>|</a:t>
+            </a:r>
+            <a:r>
+              <a:rPr lang="en-US" sz="4000" dirty="0" err="1" smtClean="0">
+                <a:solidFill>
+                  <a:srgbClr val="008000"/>
+                </a:solidFill>
+                <a:latin typeface="Comic Sans MS" pitchFamily="66" charset="0"/>
+              </a:rPr>
+              <a:t>S</a:t>
+            </a:r>
+            <a:r>
+              <a:rPr lang="en-US" sz="4000" baseline="-25000" dirty="0" err="1" smtClean="0">
+                <a:solidFill>
+                  <a:srgbClr val="008000"/>
+                </a:solidFill>
+                <a:latin typeface="Comic Sans MS" pitchFamily="66" charset="0"/>
+              </a:rPr>
+              <a:t>i</a:t>
+            </a:r>
+            <a:r>
+              <a:rPr lang="en-US" sz="4000" b="1" dirty="0" err="1" smtClean="0">
+                <a:latin typeface="Comic Sans MS" pitchFamily="66" charset="0"/>
+                <a:sym typeface="Euclid Symbol" pitchFamily="18" charset="2"/>
+              </a:rPr>
+              <a:t>∩</a:t>
+            </a:r>
+            <a:r>
+              <a:rPr lang="en-US" sz="4000" dirty="0" err="1" smtClean="0">
+                <a:solidFill>
+                  <a:srgbClr val="008000"/>
+                </a:solidFill>
+                <a:latin typeface="Comic Sans MS" pitchFamily="66" charset="0"/>
+              </a:rPr>
+              <a:t>S</a:t>
+            </a:r>
+            <a:r>
+              <a:rPr lang="en-US" sz="4000" baseline="-25000" dirty="0" err="1" smtClean="0">
+                <a:solidFill>
+                  <a:srgbClr val="008000"/>
+                </a:solidFill>
+                <a:latin typeface="Comic Sans MS" pitchFamily="66" charset="0"/>
+              </a:rPr>
+              <a:t>j</a:t>
+            </a:r>
+            <a:r>
+              <a:rPr lang="en-US" sz="4000" b="1" dirty="0" err="1" smtClean="0">
+                <a:latin typeface="Comic Sans MS" pitchFamily="66" charset="0"/>
+                <a:sym typeface="Euclid Symbol" pitchFamily="18" charset="2"/>
+              </a:rPr>
+              <a:t>∩</a:t>
+            </a:r>
+            <a:r>
+              <a:rPr lang="en-US" sz="4000" dirty="0" err="1" smtClean="0">
+                <a:solidFill>
+                  <a:srgbClr val="008000"/>
+                </a:solidFill>
+                <a:latin typeface="Comic Sans MS" pitchFamily="66" charset="0"/>
+              </a:rPr>
+              <a:t>S</a:t>
+            </a:r>
+            <a:r>
+              <a:rPr lang="en-US" sz="4000" baseline="-25000" dirty="0" err="1" smtClean="0">
+                <a:solidFill>
+                  <a:srgbClr val="008000"/>
+                </a:solidFill>
+                <a:latin typeface="Comic Sans MS" pitchFamily="66" charset="0"/>
+              </a:rPr>
+              <a:t>k</a:t>
+            </a:r>
+            <a:r>
+              <a:rPr lang="en-US" sz="4000" dirty="0" smtClean="0">
+                <a:solidFill>
+                  <a:srgbClr val="008000"/>
+                </a:solidFill>
+                <a:latin typeface="Comic Sans MS" pitchFamily="66" charset="0"/>
+              </a:rPr>
+              <a:t>| </a:t>
+            </a:r>
+            <a:endParaRPr lang="en-US" sz="3200" dirty="0">
+              <a:latin typeface="Comic Sans MS" pitchFamily="66" charset="0"/>
+            </a:endParaRPr>
+          </a:p>
+          <a:p>
+            <a:r>
+              <a:rPr lang="en-US" sz="3200" dirty="0">
+                <a:solidFill>
+                  <a:srgbClr val="008000"/>
+                </a:solidFill>
+                <a:latin typeface="Comic Sans MS" pitchFamily="66" charset="0"/>
+              </a:rPr>
+              <a:t>           </a:t>
+            </a:r>
+            <a:r>
+              <a:rPr lang="en-US" sz="4400" dirty="0">
+                <a:solidFill>
+                  <a:srgbClr val="008000"/>
+                </a:solidFill>
+                <a:latin typeface="Comic Sans MS" pitchFamily="66" charset="0"/>
+              </a:rPr>
+              <a:t>     </a:t>
+            </a:r>
+            <a:r>
+              <a:rPr lang="en-US" sz="4400" dirty="0">
+                <a:latin typeface="Comic Sans MS" pitchFamily="66" charset="0"/>
+              </a:rPr>
+              <a:t>  </a:t>
+            </a:r>
+            <a:r>
+              <a:rPr lang="en-US" sz="4400" dirty="0">
+                <a:latin typeface="Comic Sans MS" pitchFamily="66" charset="0"/>
+                <a:sym typeface="Euclid Extra" pitchFamily="18" charset="2"/>
+              </a:rPr>
+              <a:t></a:t>
+            </a:r>
+            <a:endParaRPr lang="en-US" sz="4400" dirty="0">
+              <a:latin typeface="Comic Sans MS" pitchFamily="66" charset="0"/>
+            </a:endParaRPr>
+          </a:p>
+          <a:p>
+            <a:r>
+              <a:rPr lang="en-US" sz="4400" dirty="0">
+                <a:latin typeface="Comic Sans MS" pitchFamily="66" charset="0"/>
+              </a:rPr>
+              <a:t>      </a:t>
+            </a:r>
+            <a:r>
+              <a:rPr lang="en-US" sz="4400" dirty="0" smtClean="0">
+                <a:latin typeface="Comic Sans MS" pitchFamily="66" charset="0"/>
+              </a:rPr>
+              <a:t>   </a:t>
+            </a:r>
+            <a:r>
+              <a:rPr lang="en-US" sz="4000" dirty="0" smtClean="0">
+                <a:latin typeface="Comic Sans MS" pitchFamily="66" charset="0"/>
+              </a:rPr>
+              <a:t>+ </a:t>
+            </a:r>
+            <a:r>
+              <a:rPr lang="en-US" sz="4000" dirty="0">
+                <a:latin typeface="Comic Sans MS" pitchFamily="66" charset="0"/>
+              </a:rPr>
+              <a:t>(-1)</a:t>
+            </a:r>
+            <a:r>
+              <a:rPr lang="en-US" sz="4000" baseline="30000" dirty="0">
+                <a:solidFill>
+                  <a:srgbClr val="008000"/>
+                </a:solidFill>
+                <a:latin typeface="Comic Sans MS" pitchFamily="66" charset="0"/>
+              </a:rPr>
+              <a:t>n</a:t>
+            </a:r>
+            <a:r>
+              <a:rPr lang="en-US" sz="4000" baseline="30000" dirty="0">
+                <a:latin typeface="Comic Sans MS" pitchFamily="66" charset="0"/>
+              </a:rPr>
+              <a:t>+1</a:t>
+            </a:r>
+            <a:r>
+              <a:rPr lang="en-US" sz="4000" baseline="30000" dirty="0" smtClean="0">
+                <a:solidFill>
+                  <a:srgbClr val="008000"/>
+                </a:solidFill>
+                <a:latin typeface="Comic Sans MS" pitchFamily="66" charset="0"/>
+              </a:rPr>
+              <a:t> </a:t>
+            </a:r>
+            <a:r>
+              <a:rPr lang="en-US" sz="4000" dirty="0" smtClean="0">
+                <a:solidFill>
+                  <a:srgbClr val="008000"/>
+                </a:solidFill>
+                <a:latin typeface="Comic Sans MS" pitchFamily="66" charset="0"/>
+              </a:rPr>
+              <a:t>|S</a:t>
+            </a:r>
+            <a:r>
+              <a:rPr lang="en-US" sz="4000" baseline="-25000" dirty="0" smtClean="0">
+                <a:solidFill>
+                  <a:srgbClr val="008000"/>
+                </a:solidFill>
+                <a:latin typeface="Comic Sans MS" pitchFamily="66" charset="0"/>
+              </a:rPr>
+              <a:t>1</a:t>
+            </a:r>
+            <a:r>
+              <a:rPr lang="en-US" sz="4000" b="1" dirty="0" smtClean="0">
+                <a:latin typeface="Comic Sans MS" pitchFamily="66" charset="0"/>
+                <a:sym typeface="Euclid Symbol" pitchFamily="18" charset="2"/>
+              </a:rPr>
+              <a:t>∩</a:t>
+            </a:r>
+            <a:r>
+              <a:rPr lang="en-US" sz="4000" dirty="0" smtClean="0">
+                <a:solidFill>
+                  <a:srgbClr val="008000"/>
+                </a:solidFill>
+                <a:latin typeface="Comic Sans MS" pitchFamily="66" charset="0"/>
+              </a:rPr>
+              <a:t>S</a:t>
+            </a:r>
+            <a:r>
+              <a:rPr lang="en-US" sz="4000" baseline="-25000" dirty="0" smtClean="0">
+                <a:solidFill>
+                  <a:srgbClr val="008000"/>
+                </a:solidFill>
+                <a:latin typeface="Comic Sans MS" pitchFamily="66" charset="0"/>
+              </a:rPr>
+              <a:t>2</a:t>
+            </a:r>
+            <a:r>
+              <a:rPr lang="en-US" sz="4000" dirty="0" smtClean="0">
+                <a:latin typeface="Comic Sans MS" pitchFamily="66" charset="0"/>
+                <a:sym typeface="Euclid Extra" pitchFamily="18" charset="2"/>
+              </a:rPr>
+              <a:t></a:t>
+            </a:r>
+            <a:r>
+              <a:rPr lang="en-US" sz="4000" b="1" dirty="0" smtClean="0">
+                <a:latin typeface="Comic Sans MS" pitchFamily="66" charset="0"/>
+                <a:sym typeface="Euclid Symbol" pitchFamily="18" charset="2"/>
+              </a:rPr>
+              <a:t>∩</a:t>
+            </a:r>
+            <a:r>
+              <a:rPr lang="en-US" sz="4000" dirty="0" smtClean="0">
+                <a:solidFill>
+                  <a:srgbClr val="008000"/>
+                </a:solidFill>
+                <a:latin typeface="Comic Sans MS" pitchFamily="66" charset="0"/>
+              </a:rPr>
+              <a:t>S</a:t>
+            </a:r>
+            <a:r>
+              <a:rPr lang="en-US" sz="4000" baseline="-25000" dirty="0" smtClean="0">
+                <a:solidFill>
+                  <a:srgbClr val="008000"/>
+                </a:solidFill>
+                <a:latin typeface="Comic Sans MS" pitchFamily="66" charset="0"/>
+              </a:rPr>
+              <a:t>n</a:t>
+            </a:r>
+            <a:r>
+              <a:rPr lang="en-US" sz="4000" dirty="0" smtClean="0">
+                <a:solidFill>
+                  <a:srgbClr val="008000"/>
+                </a:solidFill>
+                <a:latin typeface="Comic Sans MS" pitchFamily="66" charset="0"/>
+              </a:rPr>
+              <a:t>| </a:t>
+            </a:r>
+            <a:endParaRPr lang="en-US" sz="4000" dirty="0">
+              <a:solidFill>
+                <a:srgbClr val="008000"/>
+              </a:solidFill>
+              <a:latin typeface="Comic Sans MS" pitchFamily="66" charset="0"/>
+            </a:endParaRPr>
+          </a:p>
+        </p:txBody>
+      </p:sp>
+      <p:sp>
+        <p:nvSpPr>
+          <p:cNvPr id="23556" name="Slide Number Placeholder 4"/>
+          <p:cNvSpPr>
+            <a:spLocks noGrp="1"/>
+          </p:cNvSpPr>
+          <p:nvPr>
+            <p:ph type="sldNum" sz="quarter" idx="10"/>
+          </p:nvPr>
+        </p:nvSpPr>
+        <p:spPr>
+          <a:noFill/>
+        </p:spPr>
+        <p:txBody>
+          <a:bodyPr/>
+          <a:lstStyle/>
+          <a:p>
+            <a:r>
+              <a:rPr lang="en-US" dirty="0" err="1" smtClean="0"/>
+              <a:t>lec</a:t>
+            </a:r>
+            <a:r>
+              <a:rPr lang="en-US" dirty="0" smtClean="0"/>
+              <a:t> 10F.</a:t>
+            </a:r>
+            <a:fld id="{20715C8B-F559-445D-AD56-1F65FAD9BF58}" type="slidenum">
+              <a:rPr lang="en-US" smtClean="0"/>
+              <a:pPr/>
+              <a:t>40</a:t>
+            </a:fld>
+            <a:endParaRPr lang="en-US" dirty="0" smtClean="0"/>
+          </a:p>
+        </p:txBody>
+      </p:sp>
+      <p:sp>
+        <p:nvSpPr>
+          <p:cNvPr id="5" name="Rectangle 4"/>
+          <p:cNvSpPr/>
+          <p:nvPr/>
+        </p:nvSpPr>
+        <p:spPr bwMode="auto">
+          <a:xfrm>
+            <a:off x="914400" y="1371600"/>
+            <a:ext cx="6781800" cy="4191000"/>
+          </a:xfrm>
+          <a:prstGeom prst="rect">
+            <a:avLst/>
+          </a:prstGeom>
+          <a:noFill/>
+          <a:ln w="38100" cap="flat" cmpd="sng" algn="ctr">
+            <a:solidFill>
+              <a:srgbClr val="FF00FF"/>
+            </a:solidFill>
+            <a:prstDash val="dash"/>
+            <a:round/>
+            <a:headEnd type="none" w="med" len="med"/>
+            <a:tailEnd type="none" w="med" len="med"/>
+          </a:ln>
+          <a:effectLst/>
+        </p:spPr>
+        <p:txBody>
+          <a:bodyPr vert="horz" wrap="square" lIns="91440" tIns="45720" rIns="91440" bIns="45720" numCol="1" rtlCol="0" anchor="t" anchorCtr="0" compatLnSpc="1">
+            <a:prstTxWarp prst="textNoShape">
+              <a:avLst/>
+            </a:prstTxWarp>
+          </a:bodyPr>
+          <a:lstStyle/>
+          <a:p>
+            <a:pPr marL="0" marR="0" indent="0" algn="l" defTabSz="914400" rtl="0" eaLnBrk="1" fontAlgn="base" latinLnBrk="0" hangingPunct="1">
+              <a:lnSpc>
+                <a:spcPct val="100000"/>
+              </a:lnSpc>
+              <a:spcBef>
+                <a:spcPct val="0"/>
+              </a:spcBef>
+              <a:spcAft>
+                <a:spcPct val="0"/>
+              </a:spcAft>
+              <a:buClrTx/>
+              <a:buSzTx/>
+              <a:buFontTx/>
+              <a:buNone/>
+              <a:tabLst/>
+            </a:pPr>
+            <a:endParaRPr kumimoji="0" lang="en-US" sz="3600" b="0" i="0" u="none" strike="noStrike" cap="none" normalizeH="0" baseline="0" smtClean="0">
+              <a:ln>
+                <a:noFill/>
+              </a:ln>
+              <a:solidFill>
+                <a:schemeClr val="tx1"/>
+              </a:solidFill>
+              <a:effectLst/>
+              <a:latin typeface="Times New Roman" pitchFamily="8" charset="0"/>
+            </a:endParaRPr>
+          </a:p>
+        </p:txBody>
+      </p:sp>
+    </p:spTree>
+  </p:cSld>
+  <p:clrMapOvr>
+    <a:masterClrMapping/>
+  </p:clrMapOvr>
+  <p:transition>
+    <p:fade/>
+  </p:transition>
+  <p:timing>
+    <p:tnLst>
+      <p:par>
+        <p:cTn id="1" dur="indefinite" restart="never" nodeType="tmRoot">
+          <p:childTnLst>
+            <p:seq concurrent="1" nextAc="seek">
+              <p:cTn id="2" dur="indefinite" nodeType="mainSeq">
+                <p:childTnLst>
+                  <p:par>
+                    <p:cTn id="3" fill="hold">
+                      <p:stCondLst>
+                        <p:cond delay="indefinite"/>
+                        <p:cond evt="onBegin" delay="0">
+                          <p:tn val="2"/>
+                        </p:cond>
+                      </p:stCondLst>
+                      <p:childTnLst>
+                        <p:par>
+                          <p:cTn id="4" fill="hold">
+                            <p:stCondLst>
+                              <p:cond delay="0"/>
+                            </p:stCondLst>
+                            <p:childTnLst>
+                              <p:par>
+                                <p:cTn id="5" presetID="0" presetClass="path" presetSubtype="0" accel="50000" decel="50000" fill="hold" grpId="0" nodeType="afterEffect">
+                                  <p:stCondLst>
+                                    <p:cond delay="0"/>
+                                  </p:stCondLst>
+                                  <p:childTnLst>
+                                    <p:animMotion origin="layout" path="M -3.02188E-7 -3.63342E-6 L -3.02188E-7 -0.14441 " pathEditMode="relative" ptsTypes="AA">
+                                      <p:cBhvr>
+                                        <p:cTn id="6" dur="1000" fill="hold"/>
+                                        <p:tgtEl>
+                                          <p:spTgt spid="23555"/>
+                                        </p:tgtEl>
+                                        <p:attrNameLst>
+                                          <p:attrName>ppt_x</p:attrName>
+                                          <p:attrName>ppt_y</p:attrName>
+                                        </p:attrNameLst>
+                                      </p:cBhvr>
+                                    </p:animMotion>
+                                  </p:childTnLst>
+                                </p:cTn>
+                              </p:par>
+                            </p:childTnLst>
+                          </p:cTn>
+                        </p:par>
+                        <p:par>
+                          <p:cTn id="7" fill="hold">
+                            <p:stCondLst>
+                              <p:cond delay="1000"/>
+                            </p:stCondLst>
+                            <p:childTnLst>
+                              <p:par>
+                                <p:cTn id="8" presetID="10" presetClass="entr" presetSubtype="0" fill="hold" grpId="0" nodeType="afterEffect">
+                                  <p:stCondLst>
+                                    <p:cond delay="0"/>
+                                  </p:stCondLst>
+                                  <p:childTnLst>
+                                    <p:set>
+                                      <p:cBhvr>
+                                        <p:cTn id="9" dur="1" fill="hold">
+                                          <p:stCondLst>
+                                            <p:cond delay="0"/>
+                                          </p:stCondLst>
+                                        </p:cTn>
+                                        <p:tgtEl>
+                                          <p:spTgt spid="5"/>
+                                        </p:tgtEl>
+                                        <p:attrNameLst>
+                                          <p:attrName>style.visibility</p:attrName>
+                                        </p:attrNameLst>
+                                      </p:cBhvr>
+                                      <p:to>
+                                        <p:strVal val="visible"/>
+                                      </p:to>
+                                    </p:set>
+                                    <p:animEffect transition="in" filter="fade">
+                                      <p:cBhvr>
+                                        <p:cTn id="10" dur="500"/>
+                                        <p:tgtEl>
+                                          <p:spTgt spid="5"/>
+                                        </p:tgtEl>
+                                      </p:cBhvr>
+                                    </p:animEffect>
+                                  </p:childTnLst>
+                                </p:cTn>
+                              </p:par>
+                            </p:childTnLst>
+                          </p:cTn>
+                        </p:par>
+                      </p:childTnLst>
+                    </p:cTn>
+                  </p:par>
+                </p:childTnLst>
+              </p:cTn>
+              <p:prevCondLst>
+                <p:cond evt="onPrev" delay="0">
+                  <p:tgtEl>
+                    <p:sldTgt/>
+                  </p:tgtEl>
+                </p:cond>
+              </p:prevCondLst>
+              <p:nextCondLst>
+                <p:cond evt="onNext" delay="0">
+                  <p:tgtEl>
+                    <p:sldTgt/>
+                  </p:tgtEl>
+                </p:cond>
+              </p:nextCondLst>
+            </p:seq>
+          </p:childTnLst>
+        </p:cTn>
+      </p:par>
+    </p:tnLst>
+    <p:bldLst>
+      <p:bldP spid="23555" grpId="0"/>
+      <p:bldP spid="5" grpId="0" animBg="1"/>
+    </p:bldLst>
+  </p:timing>
+</p:sld>
+</file>
+
+<file path=ppt/slides/slide41.xml><?xml version="1.0" encoding="utf-8"?>
 <p:sld xmlns:a="http://schemas.openxmlformats.org/drawingml/2006/main" xmlns:r="http://schemas.openxmlformats.org/officeDocument/2006/relationships" xmlns:mc="http://schemas.openxmlformats.org/markup-compatibility/2006" xmlns:mv="urn:schemas-microsoft-com:mac:vml" xmlns:p="http://schemas.openxmlformats.org/presentationml/2006/main" mc:Ignorable="mv" mc:PreserveAttributes="mv:*">
   <p:cSld>
     <p:spTree>
@@ -29442,7 +29752,7 @@
             <a:fld id="{D3E07E47-E477-4335-BC04-9807100DBDCC}" type="slidenum">
               <a:rPr lang="en-US" smtClean="0"/>
               <a:pPr/>
-              <a:t>40</a:t>
+              <a:t>41</a:t>
             </a:fld>
             <a:endParaRPr lang="en-US" dirty="0" smtClean="0"/>
           </a:p>
